--- a/_media_srcs/ecen330.pptx
+++ b/_media_srcs/ecen330.pptx
@@ -6,6 +6,7 @@
   </p:sldMasterIdLst>
   <p:sldIdLst>
     <p:sldId id="256" r:id="rId2"/>
+    <p:sldId id="257" r:id="rId3"/>
   </p:sldIdLst>
   <p:sldSz cx="12192000" cy="6858000"/>
   <p:notesSz cx="6858000" cy="9144000"/>
@@ -259,7 +260,7 @@
           <a:p>
             <a:fld id="{7967AD1A-5EE4-40C1-AEBF-D912047BFE39}" type="datetimeFigureOut">
               <a:rPr lang="en-US" smtClean="0"/>
-              <a:t>6/30/2022</a:t>
+              <a:t>7/6/2022</a:t>
             </a:fld>
             <a:endParaRPr lang="en-US"/>
           </a:p>
@@ -457,7 +458,7 @@
           <a:p>
             <a:fld id="{7967AD1A-5EE4-40C1-AEBF-D912047BFE39}" type="datetimeFigureOut">
               <a:rPr lang="en-US" smtClean="0"/>
-              <a:t>6/30/2022</a:t>
+              <a:t>7/6/2022</a:t>
             </a:fld>
             <a:endParaRPr lang="en-US"/>
           </a:p>
@@ -665,7 +666,7 @@
           <a:p>
             <a:fld id="{7967AD1A-5EE4-40C1-AEBF-D912047BFE39}" type="datetimeFigureOut">
               <a:rPr lang="en-US" smtClean="0"/>
-              <a:t>6/30/2022</a:t>
+              <a:t>7/6/2022</a:t>
             </a:fld>
             <a:endParaRPr lang="en-US"/>
           </a:p>
@@ -863,7 +864,7 @@
           <a:p>
             <a:fld id="{7967AD1A-5EE4-40C1-AEBF-D912047BFE39}" type="datetimeFigureOut">
               <a:rPr lang="en-US" smtClean="0"/>
-              <a:t>6/30/2022</a:t>
+              <a:t>7/6/2022</a:t>
             </a:fld>
             <a:endParaRPr lang="en-US"/>
           </a:p>
@@ -1138,7 +1139,7 @@
           <a:p>
             <a:fld id="{7967AD1A-5EE4-40C1-AEBF-D912047BFE39}" type="datetimeFigureOut">
               <a:rPr lang="en-US" smtClean="0"/>
-              <a:t>6/30/2022</a:t>
+              <a:t>7/6/2022</a:t>
             </a:fld>
             <a:endParaRPr lang="en-US"/>
           </a:p>
@@ -1403,7 +1404,7 @@
           <a:p>
             <a:fld id="{7967AD1A-5EE4-40C1-AEBF-D912047BFE39}" type="datetimeFigureOut">
               <a:rPr lang="en-US" smtClean="0"/>
-              <a:t>6/30/2022</a:t>
+              <a:t>7/6/2022</a:t>
             </a:fld>
             <a:endParaRPr lang="en-US"/>
           </a:p>
@@ -1815,7 +1816,7 @@
           <a:p>
             <a:fld id="{7967AD1A-5EE4-40C1-AEBF-D912047BFE39}" type="datetimeFigureOut">
               <a:rPr lang="en-US" smtClean="0"/>
-              <a:t>6/30/2022</a:t>
+              <a:t>7/6/2022</a:t>
             </a:fld>
             <a:endParaRPr lang="en-US"/>
           </a:p>
@@ -1956,7 +1957,7 @@
           <a:p>
             <a:fld id="{7967AD1A-5EE4-40C1-AEBF-D912047BFE39}" type="datetimeFigureOut">
               <a:rPr lang="en-US" smtClean="0"/>
-              <a:t>6/30/2022</a:t>
+              <a:t>7/6/2022</a:t>
             </a:fld>
             <a:endParaRPr lang="en-US"/>
           </a:p>
@@ -2069,7 +2070,7 @@
           <a:p>
             <a:fld id="{7967AD1A-5EE4-40C1-AEBF-D912047BFE39}" type="datetimeFigureOut">
               <a:rPr lang="en-US" smtClean="0"/>
-              <a:t>6/30/2022</a:t>
+              <a:t>7/6/2022</a:t>
             </a:fld>
             <a:endParaRPr lang="en-US"/>
           </a:p>
@@ -2380,7 +2381,7 @@
           <a:p>
             <a:fld id="{7967AD1A-5EE4-40C1-AEBF-D912047BFE39}" type="datetimeFigureOut">
               <a:rPr lang="en-US" smtClean="0"/>
-              <a:t>6/30/2022</a:t>
+              <a:t>7/6/2022</a:t>
             </a:fld>
             <a:endParaRPr lang="en-US"/>
           </a:p>
@@ -2668,7 +2669,7 @@
           <a:p>
             <a:fld id="{7967AD1A-5EE4-40C1-AEBF-D912047BFE39}" type="datetimeFigureOut">
               <a:rPr lang="en-US" smtClean="0"/>
-              <a:t>6/30/2022</a:t>
+              <a:t>7/6/2022</a:t>
             </a:fld>
             <a:endParaRPr lang="en-US"/>
           </a:p>
@@ -2909,7 +2910,7 @@
           <a:p>
             <a:fld id="{7967AD1A-5EE4-40C1-AEBF-D912047BFE39}" type="datetimeFigureOut">
               <a:rPr lang="en-US" smtClean="0"/>
-              <a:t>6/30/2022</a:t>
+              <a:t>7/6/2022</a:t>
             </a:fld>
             <a:endParaRPr lang="en-US"/>
           </a:p>
@@ -4790,6 +4791,949 @@
 </p:sld>
 </file>
 
+<file path=ppt/slides/slide2.xml><?xml version="1.0" encoding="utf-8"?>
+<p:sld xmlns:a="http://schemas.openxmlformats.org/drawingml/2006/main" xmlns:r="http://schemas.openxmlformats.org/officeDocument/2006/relationships" xmlns:p="http://schemas.openxmlformats.org/presentationml/2006/main">
+  <p:cSld>
+    <p:spTree>
+      <p:nvGrpSpPr>
+        <p:cNvPr id="1" name=""/>
+        <p:cNvGrpSpPr/>
+        <p:nvPr/>
+      </p:nvGrpSpPr>
+      <p:grpSpPr>
+        <a:xfrm>
+          <a:off x="0" y="0"/>
+          <a:ext cx="0" cy="0"/>
+          <a:chOff x="0" y="0"/>
+          <a:chExt cx="0" cy="0"/>
+        </a:xfrm>
+      </p:grpSpPr>
+      <p:sp>
+        <p:nvSpPr>
+          <p:cNvPr id="4" name="Oval 3">
+            <a:extLst>
+              <a:ext uri="{FF2B5EF4-FFF2-40B4-BE49-F238E27FC236}">
+                <a16:creationId xmlns:a16="http://schemas.microsoft.com/office/drawing/2014/main" id="{894E6713-5039-AC14-9A78-D0888D25793F}"/>
+              </a:ext>
+            </a:extLst>
+          </p:cNvPr>
+          <p:cNvSpPr/>
+          <p:nvPr/>
+        </p:nvSpPr>
+        <p:spPr>
+          <a:xfrm>
+            <a:off x="1753664" y="832207"/>
+            <a:ext cx="2060362" cy="940084"/>
+          </a:xfrm>
+          <a:prstGeom prst="ellipse">
+            <a:avLst/>
+          </a:prstGeom>
+          <a:solidFill>
+            <a:schemeClr val="bg2">
+              <a:lumMod val="90000"/>
+            </a:schemeClr>
+          </a:solidFill>
+        </p:spPr>
+        <p:style>
+          <a:lnRef idx="2">
+            <a:schemeClr val="accent1">
+              <a:shade val="50000"/>
+            </a:schemeClr>
+          </a:lnRef>
+          <a:fillRef idx="1">
+            <a:schemeClr val="accent1"/>
+          </a:fillRef>
+          <a:effectRef idx="0">
+            <a:schemeClr val="accent1"/>
+          </a:effectRef>
+          <a:fontRef idx="minor">
+            <a:schemeClr val="lt1"/>
+          </a:fontRef>
+        </p:style>
+        <p:txBody>
+          <a:bodyPr lIns="0" tIns="0" rIns="0" bIns="0" rtlCol="0" anchor="ctr"/>
+          <a:lstStyle/>
+          <a:p>
+            <a:pPr algn="ctr"/>
+            <a:r>
+              <a:rPr lang="en-US" dirty="0">
+                <a:solidFill>
+                  <a:schemeClr val="tx1"/>
+                </a:solidFill>
+              </a:rPr>
+              <a:t>WAITING</a:t>
+            </a:r>
+          </a:p>
+        </p:txBody>
+      </p:sp>
+      <p:sp>
+        <p:nvSpPr>
+          <p:cNvPr id="5" name="Oval 4">
+            <a:extLst>
+              <a:ext uri="{FF2B5EF4-FFF2-40B4-BE49-F238E27FC236}">
+                <a16:creationId xmlns:a16="http://schemas.microsoft.com/office/drawing/2014/main" id="{C9BCFA65-BE0D-A173-AC5E-F88BB47172A4}"/>
+              </a:ext>
+            </a:extLst>
+          </p:cNvPr>
+          <p:cNvSpPr/>
+          <p:nvPr/>
+        </p:nvSpPr>
+        <p:spPr>
+          <a:xfrm>
+            <a:off x="7210075" y="832207"/>
+            <a:ext cx="2060362" cy="940084"/>
+          </a:xfrm>
+          <a:prstGeom prst="ellipse">
+            <a:avLst/>
+          </a:prstGeom>
+          <a:solidFill>
+            <a:schemeClr val="bg2">
+              <a:lumMod val="90000"/>
+            </a:schemeClr>
+          </a:solidFill>
+        </p:spPr>
+        <p:style>
+          <a:lnRef idx="2">
+            <a:schemeClr val="accent1">
+              <a:shade val="50000"/>
+            </a:schemeClr>
+          </a:lnRef>
+          <a:fillRef idx="1">
+            <a:schemeClr val="accent1"/>
+          </a:fillRef>
+          <a:effectRef idx="0">
+            <a:schemeClr val="accent1"/>
+          </a:effectRef>
+          <a:fontRef idx="minor">
+            <a:schemeClr val="lt1"/>
+          </a:fontRef>
+        </p:style>
+        <p:txBody>
+          <a:bodyPr lIns="0" tIns="0" rIns="0" bIns="0" rtlCol="0" anchor="ctr"/>
+          <a:lstStyle/>
+          <a:p>
+            <a:pPr algn="ctr"/>
+            <a:r>
+              <a:rPr lang="en-US" dirty="0">
+                <a:solidFill>
+                  <a:schemeClr val="tx1"/>
+                </a:solidFill>
+              </a:rPr>
+              <a:t>ADC_SETTLING</a:t>
+            </a:r>
+          </a:p>
+        </p:txBody>
+      </p:sp>
+      <p:sp>
+        <p:nvSpPr>
+          <p:cNvPr id="6" name="Oval 5">
+            <a:extLst>
+              <a:ext uri="{FF2B5EF4-FFF2-40B4-BE49-F238E27FC236}">
+                <a16:creationId xmlns:a16="http://schemas.microsoft.com/office/drawing/2014/main" id="{209C274B-9F64-FCA2-5D7C-EC12B09A4CE6}"/>
+              </a:ext>
+            </a:extLst>
+          </p:cNvPr>
+          <p:cNvSpPr/>
+          <p:nvPr/>
+        </p:nvSpPr>
+        <p:spPr>
+          <a:xfrm>
+            <a:off x="4779975" y="2742956"/>
+            <a:ext cx="2060362" cy="940085"/>
+          </a:xfrm>
+          <a:prstGeom prst="ellipse">
+            <a:avLst/>
+          </a:prstGeom>
+          <a:solidFill>
+            <a:schemeClr val="bg2">
+              <a:lumMod val="90000"/>
+            </a:schemeClr>
+          </a:solidFill>
+        </p:spPr>
+        <p:style>
+          <a:lnRef idx="2">
+            <a:schemeClr val="accent1">
+              <a:shade val="50000"/>
+            </a:schemeClr>
+          </a:lnRef>
+          <a:fillRef idx="1">
+            <a:schemeClr val="accent1"/>
+          </a:fillRef>
+          <a:effectRef idx="0">
+            <a:schemeClr val="accent1"/>
+          </a:effectRef>
+          <a:fontRef idx="minor">
+            <a:schemeClr val="lt1"/>
+          </a:fontRef>
+        </p:style>
+        <p:txBody>
+          <a:bodyPr lIns="0" tIns="0" rIns="0" bIns="0" rtlCol="0" anchor="ctr"/>
+          <a:lstStyle/>
+          <a:p>
+            <a:pPr algn="ctr"/>
+            <a:r>
+              <a:rPr lang="en-US" dirty="0">
+                <a:solidFill>
+                  <a:schemeClr val="tx1"/>
+                </a:solidFill>
+              </a:rPr>
+              <a:t>PRESSED_ST</a:t>
+            </a:r>
+          </a:p>
+        </p:txBody>
+      </p:sp>
+      <p:cxnSp>
+        <p:nvCxnSpPr>
+          <p:cNvPr id="8" name="Straight Arrow Connector 7">
+            <a:extLst>
+              <a:ext uri="{FF2B5EF4-FFF2-40B4-BE49-F238E27FC236}">
+                <a16:creationId xmlns:a16="http://schemas.microsoft.com/office/drawing/2014/main" id="{10CB590D-D0F2-9DDA-6063-9E8245EBAB81}"/>
+              </a:ext>
+            </a:extLst>
+          </p:cNvPr>
+          <p:cNvCxnSpPr>
+            <a:stCxn id="4" idx="6"/>
+            <a:endCxn id="5" idx="2"/>
+          </p:cNvCxnSpPr>
+          <p:nvPr/>
+        </p:nvCxnSpPr>
+        <p:spPr>
+          <a:xfrm>
+            <a:off x="3814026" y="1302249"/>
+            <a:ext cx="3396049" cy="0"/>
+          </a:xfrm>
+          <a:prstGeom prst="straightConnector1">
+            <a:avLst/>
+          </a:prstGeom>
+          <a:ln w="28575">
+            <a:solidFill>
+              <a:schemeClr val="tx1"/>
+            </a:solidFill>
+            <a:tailEnd type="triangle"/>
+          </a:ln>
+        </p:spPr>
+        <p:style>
+          <a:lnRef idx="1">
+            <a:schemeClr val="accent1"/>
+          </a:lnRef>
+          <a:fillRef idx="0">
+            <a:schemeClr val="accent1"/>
+          </a:fillRef>
+          <a:effectRef idx="0">
+            <a:schemeClr val="accent1"/>
+          </a:effectRef>
+          <a:fontRef idx="minor">
+            <a:schemeClr val="tx1"/>
+          </a:fontRef>
+        </p:style>
+      </p:cxnSp>
+      <p:sp>
+        <p:nvSpPr>
+          <p:cNvPr id="12" name="TextBox 11">
+            <a:extLst>
+              <a:ext uri="{FF2B5EF4-FFF2-40B4-BE49-F238E27FC236}">
+                <a16:creationId xmlns:a16="http://schemas.microsoft.com/office/drawing/2014/main" id="{6AAA8F04-B984-F831-CC57-332FA363A3A2}"/>
+              </a:ext>
+            </a:extLst>
+          </p:cNvPr>
+          <p:cNvSpPr txBox="1"/>
+          <p:nvPr/>
+        </p:nvSpPr>
+        <p:spPr>
+          <a:xfrm>
+            <a:off x="3899677" y="1276930"/>
+            <a:ext cx="3303884" cy="584775"/>
+          </a:xfrm>
+          <a:prstGeom prst="rect">
+            <a:avLst/>
+          </a:prstGeom>
+          <a:noFill/>
+        </p:spPr>
+        <p:txBody>
+          <a:bodyPr wrap="square">
+            <a:spAutoFit/>
+          </a:bodyPr>
+          <a:lstStyle/>
+          <a:p>
+            <a:r>
+              <a:rPr lang="en-US" sz="1600" dirty="0">
+                <a:latin typeface="Consolas" panose="020B0609020204030204" pitchFamily="49" charset="0"/>
+              </a:rPr>
+              <a:t>display_isTouched() / </a:t>
+            </a:r>
+            <a:r>
+              <a:rPr lang="en-US" sz="1600" dirty="0">
+                <a:solidFill>
+                  <a:srgbClr val="7030A0"/>
+                </a:solidFill>
+                <a:latin typeface="Consolas" panose="020B0609020204030204" pitchFamily="49" charset="0"/>
+              </a:rPr>
+              <a:t>display_clearOldTouchData();</a:t>
+            </a:r>
+          </a:p>
+        </p:txBody>
+      </p:sp>
+      <p:cxnSp>
+        <p:nvCxnSpPr>
+          <p:cNvPr id="15" name="Connector: Curved 14">
+            <a:extLst>
+              <a:ext uri="{FF2B5EF4-FFF2-40B4-BE49-F238E27FC236}">
+                <a16:creationId xmlns:a16="http://schemas.microsoft.com/office/drawing/2014/main" id="{FD1C903C-84FC-7B79-C0EE-9D8CB5205150}"/>
+              </a:ext>
+            </a:extLst>
+          </p:cNvPr>
+          <p:cNvCxnSpPr>
+            <a:cxnSpLocks/>
+            <a:stCxn id="4" idx="0"/>
+            <a:endCxn id="4" idx="1"/>
+          </p:cNvCxnSpPr>
+          <p:nvPr/>
+        </p:nvCxnSpPr>
+        <p:spPr>
+          <a:xfrm rot="16200000" flipH="1" flipV="1">
+            <a:off x="2350785" y="536819"/>
+            <a:ext cx="137672" cy="728448"/>
+          </a:xfrm>
+          <a:prstGeom prst="curvedConnector3">
+            <a:avLst>
+              <a:gd name="adj1" fmla="val -166047"/>
+            </a:avLst>
+          </a:prstGeom>
+          <a:ln w="28575">
+            <a:solidFill>
+              <a:schemeClr val="tx1"/>
+            </a:solidFill>
+            <a:tailEnd type="triangle"/>
+          </a:ln>
+        </p:spPr>
+        <p:style>
+          <a:lnRef idx="1">
+            <a:schemeClr val="accent1"/>
+          </a:lnRef>
+          <a:fillRef idx="0">
+            <a:schemeClr val="accent1"/>
+          </a:fillRef>
+          <a:effectRef idx="0">
+            <a:schemeClr val="accent1"/>
+          </a:effectRef>
+          <a:fontRef idx="minor">
+            <a:schemeClr val="tx1"/>
+          </a:fontRef>
+        </p:style>
+      </p:cxnSp>
+      <p:sp>
+        <p:nvSpPr>
+          <p:cNvPr id="17" name="TextBox 16">
+            <a:extLst>
+              <a:ext uri="{FF2B5EF4-FFF2-40B4-BE49-F238E27FC236}">
+                <a16:creationId xmlns:a16="http://schemas.microsoft.com/office/drawing/2014/main" id="{9630593C-6742-0C39-7BDE-57323D53D117}"/>
+              </a:ext>
+            </a:extLst>
+          </p:cNvPr>
+          <p:cNvSpPr txBox="1"/>
+          <p:nvPr/>
+        </p:nvSpPr>
+        <p:spPr>
+          <a:xfrm>
+            <a:off x="2092328" y="339854"/>
+            <a:ext cx="2567255" cy="338554"/>
+          </a:xfrm>
+          <a:prstGeom prst="rect">
+            <a:avLst/>
+          </a:prstGeom>
+          <a:noFill/>
+        </p:spPr>
+        <p:txBody>
+          <a:bodyPr wrap="square">
+            <a:spAutoFit/>
+          </a:bodyPr>
+          <a:lstStyle/>
+          <a:p>
+            <a:r>
+              <a:rPr lang="en-US" sz="1600" dirty="0">
+                <a:latin typeface="Consolas" panose="020B0609020204030204" pitchFamily="49" charset="0"/>
+              </a:rPr>
+              <a:t>other</a:t>
+            </a:r>
+          </a:p>
+        </p:txBody>
+      </p:sp>
+      <p:cxnSp>
+        <p:nvCxnSpPr>
+          <p:cNvPr id="20" name="Connector: Curved 19">
+            <a:extLst>
+              <a:ext uri="{FF2B5EF4-FFF2-40B4-BE49-F238E27FC236}">
+                <a16:creationId xmlns:a16="http://schemas.microsoft.com/office/drawing/2014/main" id="{B35B32A6-23B2-D352-59AE-24C89B50AE06}"/>
+              </a:ext>
+            </a:extLst>
+          </p:cNvPr>
+          <p:cNvCxnSpPr>
+            <a:cxnSpLocks/>
+            <a:stCxn id="5" idx="3"/>
+            <a:endCxn id="6" idx="6"/>
+          </p:cNvCxnSpPr>
+          <p:nvPr/>
+        </p:nvCxnSpPr>
+        <p:spPr>
+          <a:xfrm rot="5400000">
+            <a:off x="6386883" y="2088074"/>
+            <a:ext cx="1578380" cy="671471"/>
+          </a:xfrm>
+          <a:prstGeom prst="curvedConnector2">
+            <a:avLst/>
+          </a:prstGeom>
+          <a:ln w="28575">
+            <a:solidFill>
+              <a:schemeClr val="tx1"/>
+            </a:solidFill>
+            <a:tailEnd type="triangle"/>
+          </a:ln>
+        </p:spPr>
+        <p:style>
+          <a:lnRef idx="1">
+            <a:schemeClr val="accent1"/>
+          </a:lnRef>
+          <a:fillRef idx="0">
+            <a:schemeClr val="accent1"/>
+          </a:fillRef>
+          <a:effectRef idx="0">
+            <a:schemeClr val="accent1"/>
+          </a:effectRef>
+          <a:fontRef idx="minor">
+            <a:schemeClr val="tx1"/>
+          </a:fontRef>
+        </p:style>
+      </p:cxnSp>
+      <p:cxnSp>
+        <p:nvCxnSpPr>
+          <p:cNvPr id="25" name="Connector: Curved 24">
+            <a:extLst>
+              <a:ext uri="{FF2B5EF4-FFF2-40B4-BE49-F238E27FC236}">
+                <a16:creationId xmlns:a16="http://schemas.microsoft.com/office/drawing/2014/main" id="{EB793400-B0F7-64FA-D91C-A1D24F76845D}"/>
+              </a:ext>
+            </a:extLst>
+          </p:cNvPr>
+          <p:cNvCxnSpPr>
+            <a:cxnSpLocks/>
+            <a:stCxn id="5" idx="1"/>
+            <a:endCxn id="4" idx="7"/>
+          </p:cNvCxnSpPr>
+          <p:nvPr/>
+        </p:nvCxnSpPr>
+        <p:spPr>
+          <a:xfrm rot="16200000" flipV="1">
+            <a:off x="5512051" y="-1029879"/>
+            <a:ext cx="12700" cy="3999515"/>
+          </a:xfrm>
+          <a:prstGeom prst="curvedConnector3">
+            <a:avLst>
+              <a:gd name="adj1" fmla="val 2884031"/>
+            </a:avLst>
+          </a:prstGeom>
+          <a:ln w="28575">
+            <a:solidFill>
+              <a:schemeClr val="tx1"/>
+            </a:solidFill>
+            <a:tailEnd type="triangle"/>
+          </a:ln>
+        </p:spPr>
+        <p:style>
+          <a:lnRef idx="1">
+            <a:schemeClr val="accent1"/>
+          </a:lnRef>
+          <a:fillRef idx="0">
+            <a:schemeClr val="accent1"/>
+          </a:fillRef>
+          <a:effectRef idx="0">
+            <a:schemeClr val="accent1"/>
+          </a:effectRef>
+          <a:fontRef idx="minor">
+            <a:schemeClr val="tx1"/>
+          </a:fontRef>
+        </p:style>
+      </p:cxnSp>
+      <p:sp>
+        <p:nvSpPr>
+          <p:cNvPr id="36" name="TextBox 35">
+            <a:extLst>
+              <a:ext uri="{FF2B5EF4-FFF2-40B4-BE49-F238E27FC236}">
+                <a16:creationId xmlns:a16="http://schemas.microsoft.com/office/drawing/2014/main" id="{4E08ABA3-4830-E251-22F4-FB14BE7C2A8C}"/>
+              </a:ext>
+            </a:extLst>
+          </p:cNvPr>
+          <p:cNvSpPr txBox="1"/>
+          <p:nvPr/>
+        </p:nvSpPr>
+        <p:spPr>
+          <a:xfrm>
+            <a:off x="4913440" y="284304"/>
+            <a:ext cx="3303884" cy="338554"/>
+          </a:xfrm>
+          <a:prstGeom prst="rect">
+            <a:avLst/>
+          </a:prstGeom>
+          <a:noFill/>
+        </p:spPr>
+        <p:txBody>
+          <a:bodyPr wrap="square">
+            <a:spAutoFit/>
+          </a:bodyPr>
+          <a:lstStyle/>
+          <a:p>
+            <a:r>
+              <a:rPr lang="en-US" sz="1600" dirty="0">
+                <a:latin typeface="Consolas" panose="020B0609020204030204" pitchFamily="49" charset="0"/>
+              </a:rPr>
+              <a:t>!display_isTouched()</a:t>
+            </a:r>
+            <a:endParaRPr lang="en-US" sz="1600" dirty="0">
+              <a:solidFill>
+                <a:srgbClr val="7030A0"/>
+              </a:solidFill>
+              <a:latin typeface="Consolas" panose="020B0609020204030204" pitchFamily="49" charset="0"/>
+            </a:endParaRPr>
+          </a:p>
+        </p:txBody>
+      </p:sp>
+      <p:sp>
+        <p:nvSpPr>
+          <p:cNvPr id="37" name="TextBox 36">
+            <a:extLst>
+              <a:ext uri="{FF2B5EF4-FFF2-40B4-BE49-F238E27FC236}">
+                <a16:creationId xmlns:a16="http://schemas.microsoft.com/office/drawing/2014/main" id="{51151C77-81D4-56F9-D761-D171F2F63A35}"/>
+              </a:ext>
+            </a:extLst>
+          </p:cNvPr>
+          <p:cNvSpPr txBox="1"/>
+          <p:nvPr/>
+        </p:nvSpPr>
+        <p:spPr>
+          <a:xfrm>
+            <a:off x="7343701" y="2598003"/>
+            <a:ext cx="3734905" cy="830997"/>
+          </a:xfrm>
+          <a:prstGeom prst="rect">
+            <a:avLst/>
+          </a:prstGeom>
+          <a:noFill/>
+        </p:spPr>
+        <p:txBody>
+          <a:bodyPr wrap="square">
+            <a:spAutoFit/>
+          </a:bodyPr>
+          <a:lstStyle/>
+          <a:p>
+            <a:r>
+              <a:rPr lang="en-US" sz="1600" dirty="0">
+                <a:latin typeface="Consolas" panose="020B0609020204030204" pitchFamily="49" charset="0"/>
+              </a:rPr>
+              <a:t>display_isTouched() &amp;&amp; adc_timer == adc_settle_ticks / </a:t>
+            </a:r>
+            <a:r>
+              <a:rPr lang="en-US" sz="1600" dirty="0">
+                <a:solidFill>
+                  <a:srgbClr val="7030A0"/>
+                </a:solidFill>
+                <a:latin typeface="Consolas" panose="020B0609020204030204" pitchFamily="49" charset="0"/>
+              </a:rPr>
+              <a:t>display_getTouchedPoint();</a:t>
+            </a:r>
+          </a:p>
+        </p:txBody>
+      </p:sp>
+      <p:cxnSp>
+        <p:nvCxnSpPr>
+          <p:cNvPr id="40" name="Connector: Curved 39">
+            <a:extLst>
+              <a:ext uri="{FF2B5EF4-FFF2-40B4-BE49-F238E27FC236}">
+                <a16:creationId xmlns:a16="http://schemas.microsoft.com/office/drawing/2014/main" id="{1E1BE553-6B50-9B6B-D6AA-541B4F8C89D4}"/>
+              </a:ext>
+            </a:extLst>
+          </p:cNvPr>
+          <p:cNvCxnSpPr>
+            <a:cxnSpLocks/>
+            <a:stCxn id="6" idx="2"/>
+            <a:endCxn id="4" idx="5"/>
+          </p:cNvCxnSpPr>
+          <p:nvPr/>
+        </p:nvCxnSpPr>
+        <p:spPr>
+          <a:xfrm rot="10800000">
+            <a:off x="3512293" y="1634619"/>
+            <a:ext cx="1267682" cy="1578380"/>
+          </a:xfrm>
+          <a:prstGeom prst="curvedConnector2">
+            <a:avLst/>
+          </a:prstGeom>
+          <a:ln w="28575">
+            <a:solidFill>
+              <a:schemeClr val="tx1"/>
+            </a:solidFill>
+            <a:tailEnd type="triangle"/>
+          </a:ln>
+        </p:spPr>
+        <p:style>
+          <a:lnRef idx="1">
+            <a:schemeClr val="accent1"/>
+          </a:lnRef>
+          <a:fillRef idx="0">
+            <a:schemeClr val="accent1"/>
+          </a:fillRef>
+          <a:effectRef idx="0">
+            <a:schemeClr val="accent1"/>
+          </a:effectRef>
+          <a:fontRef idx="minor">
+            <a:schemeClr val="tx1"/>
+          </a:fontRef>
+        </p:style>
+      </p:cxnSp>
+      <p:sp>
+        <p:nvSpPr>
+          <p:cNvPr id="41" name="TextBox 40">
+            <a:extLst>
+              <a:ext uri="{FF2B5EF4-FFF2-40B4-BE49-F238E27FC236}">
+                <a16:creationId xmlns:a16="http://schemas.microsoft.com/office/drawing/2014/main" id="{7EF7254D-E545-B83E-34DE-EB390034B865}"/>
+              </a:ext>
+            </a:extLst>
+          </p:cNvPr>
+          <p:cNvSpPr txBox="1"/>
+          <p:nvPr/>
+        </p:nvSpPr>
+        <p:spPr>
+          <a:xfrm>
+            <a:off x="1568526" y="2698196"/>
+            <a:ext cx="3303884" cy="338554"/>
+          </a:xfrm>
+          <a:prstGeom prst="rect">
+            <a:avLst/>
+          </a:prstGeom>
+          <a:noFill/>
+        </p:spPr>
+        <p:txBody>
+          <a:bodyPr wrap="square">
+            <a:spAutoFit/>
+          </a:bodyPr>
+          <a:lstStyle/>
+          <a:p>
+            <a:r>
+              <a:rPr lang="en-US" sz="1600" dirty="0">
+                <a:latin typeface="Consolas" panose="020B0609020204030204" pitchFamily="49" charset="0"/>
+              </a:rPr>
+              <a:t>!display_isTouched()</a:t>
+            </a:r>
+            <a:endParaRPr lang="en-US" sz="1600" dirty="0">
+              <a:solidFill>
+                <a:srgbClr val="7030A0"/>
+              </a:solidFill>
+              <a:latin typeface="Consolas" panose="020B0609020204030204" pitchFamily="49" charset="0"/>
+            </a:endParaRPr>
+          </a:p>
+        </p:txBody>
+      </p:sp>
+      <p:cxnSp>
+        <p:nvCxnSpPr>
+          <p:cNvPr id="44" name="Connector: Curved 43">
+            <a:extLst>
+              <a:ext uri="{FF2B5EF4-FFF2-40B4-BE49-F238E27FC236}">
+                <a16:creationId xmlns:a16="http://schemas.microsoft.com/office/drawing/2014/main" id="{B1EA1085-19D1-90E4-75DB-4B66062518D3}"/>
+              </a:ext>
+            </a:extLst>
+          </p:cNvPr>
+          <p:cNvCxnSpPr>
+            <a:cxnSpLocks/>
+            <a:stCxn id="5" idx="6"/>
+            <a:endCxn id="5" idx="7"/>
+          </p:cNvCxnSpPr>
+          <p:nvPr/>
+        </p:nvCxnSpPr>
+        <p:spPr>
+          <a:xfrm flipH="1" flipV="1">
+            <a:off x="8968704" y="969879"/>
+            <a:ext cx="301733" cy="332370"/>
+          </a:xfrm>
+          <a:prstGeom prst="curvedConnector4">
+            <a:avLst>
+              <a:gd name="adj1" fmla="val -75762"/>
+              <a:gd name="adj2" fmla="val 210200"/>
+            </a:avLst>
+          </a:prstGeom>
+          <a:ln w="28575">
+            <a:solidFill>
+              <a:schemeClr val="tx1"/>
+            </a:solidFill>
+            <a:tailEnd type="triangle"/>
+          </a:ln>
+        </p:spPr>
+        <p:style>
+          <a:lnRef idx="1">
+            <a:schemeClr val="accent1"/>
+          </a:lnRef>
+          <a:fillRef idx="0">
+            <a:schemeClr val="accent1"/>
+          </a:fillRef>
+          <a:effectRef idx="0">
+            <a:schemeClr val="accent1"/>
+          </a:effectRef>
+          <a:fontRef idx="minor">
+            <a:schemeClr val="tx1"/>
+          </a:fontRef>
+        </p:style>
+      </p:cxnSp>
+      <p:sp>
+        <p:nvSpPr>
+          <p:cNvPr id="47" name="TextBox 46">
+            <a:extLst>
+              <a:ext uri="{FF2B5EF4-FFF2-40B4-BE49-F238E27FC236}">
+                <a16:creationId xmlns:a16="http://schemas.microsoft.com/office/drawing/2014/main" id="{DE82337F-565C-8571-DD71-9694BCFD7D44}"/>
+              </a:ext>
+            </a:extLst>
+          </p:cNvPr>
+          <p:cNvSpPr txBox="1"/>
+          <p:nvPr/>
+        </p:nvSpPr>
+        <p:spPr>
+          <a:xfrm>
+            <a:off x="8877581" y="291663"/>
+            <a:ext cx="2567255" cy="338554"/>
+          </a:xfrm>
+          <a:prstGeom prst="rect">
+            <a:avLst/>
+          </a:prstGeom>
+          <a:noFill/>
+        </p:spPr>
+        <p:txBody>
+          <a:bodyPr wrap="square">
+            <a:spAutoFit/>
+          </a:bodyPr>
+          <a:lstStyle/>
+          <a:p>
+            <a:r>
+              <a:rPr lang="en-US" sz="1600" dirty="0">
+                <a:latin typeface="Consolas" panose="020B0609020204030204" pitchFamily="49" charset="0"/>
+              </a:rPr>
+              <a:t>other</a:t>
+            </a:r>
+          </a:p>
+        </p:txBody>
+      </p:sp>
+      <p:cxnSp>
+        <p:nvCxnSpPr>
+          <p:cNvPr id="48" name="Connector: Curved 47">
+            <a:extLst>
+              <a:ext uri="{FF2B5EF4-FFF2-40B4-BE49-F238E27FC236}">
+                <a16:creationId xmlns:a16="http://schemas.microsoft.com/office/drawing/2014/main" id="{833A78C7-B948-4A78-3BC8-D90C08229780}"/>
+              </a:ext>
+            </a:extLst>
+          </p:cNvPr>
+          <p:cNvCxnSpPr>
+            <a:cxnSpLocks/>
+            <a:stCxn id="6" idx="1"/>
+            <a:endCxn id="6" idx="0"/>
+          </p:cNvCxnSpPr>
+          <p:nvPr/>
+        </p:nvCxnSpPr>
+        <p:spPr>
+          <a:xfrm rot="5400000" flipH="1" flipV="1">
+            <a:off x="5377096" y="2447568"/>
+            <a:ext cx="137672" cy="728448"/>
+          </a:xfrm>
+          <a:prstGeom prst="curvedConnector3">
+            <a:avLst>
+              <a:gd name="adj1" fmla="val 266047"/>
+            </a:avLst>
+          </a:prstGeom>
+          <a:ln w="28575">
+            <a:solidFill>
+              <a:schemeClr val="tx1"/>
+            </a:solidFill>
+            <a:tailEnd type="triangle"/>
+          </a:ln>
+        </p:spPr>
+        <p:style>
+          <a:lnRef idx="1">
+            <a:schemeClr val="accent1"/>
+          </a:lnRef>
+          <a:fillRef idx="0">
+            <a:schemeClr val="accent1"/>
+          </a:fillRef>
+          <a:effectRef idx="0">
+            <a:schemeClr val="accent1"/>
+          </a:effectRef>
+          <a:fontRef idx="minor">
+            <a:schemeClr val="tx1"/>
+          </a:fontRef>
+        </p:style>
+      </p:cxnSp>
+      <p:sp>
+        <p:nvSpPr>
+          <p:cNvPr id="51" name="TextBox 50">
+            <a:extLst>
+              <a:ext uri="{FF2B5EF4-FFF2-40B4-BE49-F238E27FC236}">
+                <a16:creationId xmlns:a16="http://schemas.microsoft.com/office/drawing/2014/main" id="{5E6B8DD0-D6A5-A300-5F59-544EA20BA09B}"/>
+              </a:ext>
+            </a:extLst>
+          </p:cNvPr>
+          <p:cNvSpPr txBox="1"/>
+          <p:nvPr/>
+        </p:nvSpPr>
+        <p:spPr>
+          <a:xfrm>
+            <a:off x="4520087" y="2364598"/>
+            <a:ext cx="786705" cy="338554"/>
+          </a:xfrm>
+          <a:prstGeom prst="rect">
+            <a:avLst/>
+          </a:prstGeom>
+          <a:noFill/>
+        </p:spPr>
+        <p:txBody>
+          <a:bodyPr wrap="square">
+            <a:spAutoFit/>
+          </a:bodyPr>
+          <a:lstStyle/>
+          <a:p>
+            <a:r>
+              <a:rPr lang="en-US" sz="1600" dirty="0">
+                <a:latin typeface="Consolas" panose="020B0609020204030204" pitchFamily="49" charset="0"/>
+              </a:rPr>
+              <a:t>other</a:t>
+            </a:r>
+          </a:p>
+        </p:txBody>
+      </p:sp>
+      <p:sp>
+        <p:nvSpPr>
+          <p:cNvPr id="53" name="TextBox 52">
+            <a:extLst>
+              <a:ext uri="{FF2B5EF4-FFF2-40B4-BE49-F238E27FC236}">
+                <a16:creationId xmlns:a16="http://schemas.microsoft.com/office/drawing/2014/main" id="{F387127B-FBAB-5549-F6B7-F94759667529}"/>
+              </a:ext>
+            </a:extLst>
+          </p:cNvPr>
+          <p:cNvSpPr txBox="1"/>
+          <p:nvPr/>
+        </p:nvSpPr>
+        <p:spPr>
+          <a:xfrm>
+            <a:off x="1895099" y="1759129"/>
+            <a:ext cx="1672191" cy="338554"/>
+          </a:xfrm>
+          <a:prstGeom prst="rect">
+            <a:avLst/>
+          </a:prstGeom>
+          <a:noFill/>
+        </p:spPr>
+        <p:txBody>
+          <a:bodyPr wrap="square">
+            <a:spAutoFit/>
+          </a:bodyPr>
+          <a:lstStyle/>
+          <a:p>
+            <a:r>
+              <a:rPr lang="en-US" sz="1600" dirty="0">
+                <a:solidFill>
+                  <a:schemeClr val="accent1"/>
+                </a:solidFill>
+                <a:latin typeface="Consolas" panose="020B0609020204030204" pitchFamily="49" charset="0"/>
+              </a:rPr>
+              <a:t>adc_timer = 0</a:t>
+            </a:r>
+          </a:p>
+        </p:txBody>
+      </p:sp>
+      <p:sp>
+        <p:nvSpPr>
+          <p:cNvPr id="54" name="TextBox 53">
+            <a:extLst>
+              <a:ext uri="{FF2B5EF4-FFF2-40B4-BE49-F238E27FC236}">
+                <a16:creationId xmlns:a16="http://schemas.microsoft.com/office/drawing/2014/main" id="{CBCD19A1-2970-4CD6-897E-B7E6737CAA15}"/>
+              </a:ext>
+            </a:extLst>
+          </p:cNvPr>
+          <p:cNvSpPr txBox="1"/>
+          <p:nvPr/>
+        </p:nvSpPr>
+        <p:spPr>
+          <a:xfrm>
+            <a:off x="7660401" y="1720492"/>
+            <a:ext cx="3303884" cy="338554"/>
+          </a:xfrm>
+          <a:prstGeom prst="rect">
+            <a:avLst/>
+          </a:prstGeom>
+          <a:noFill/>
+        </p:spPr>
+        <p:txBody>
+          <a:bodyPr wrap="square">
+            <a:spAutoFit/>
+          </a:bodyPr>
+          <a:lstStyle/>
+          <a:p>
+            <a:r>
+              <a:rPr lang="en-US" sz="1600" dirty="0">
+                <a:solidFill>
+                  <a:schemeClr val="accent1"/>
+                </a:solidFill>
+                <a:latin typeface="Consolas" panose="020B0609020204030204" pitchFamily="49" charset="0"/>
+              </a:rPr>
+              <a:t>adc_timer++</a:t>
+            </a:r>
+          </a:p>
+        </p:txBody>
+      </p:sp>
+      <p:sp>
+        <p:nvSpPr>
+          <p:cNvPr id="61" name="TextBox 60">
+            <a:extLst>
+              <a:ext uri="{FF2B5EF4-FFF2-40B4-BE49-F238E27FC236}">
+                <a16:creationId xmlns:a16="http://schemas.microsoft.com/office/drawing/2014/main" id="{AB188912-5B93-E8F0-F14C-3EE3C1263F4F}"/>
+              </a:ext>
+            </a:extLst>
+          </p:cNvPr>
+          <p:cNvSpPr txBox="1"/>
+          <p:nvPr/>
+        </p:nvSpPr>
+        <p:spPr>
+          <a:xfrm>
+            <a:off x="4872410" y="3668861"/>
+            <a:ext cx="2060362" cy="338554"/>
+          </a:xfrm>
+          <a:prstGeom prst="rect">
+            <a:avLst/>
+          </a:prstGeom>
+          <a:noFill/>
+        </p:spPr>
+        <p:txBody>
+          <a:bodyPr wrap="square">
+            <a:spAutoFit/>
+          </a:bodyPr>
+          <a:lstStyle/>
+          <a:p>
+            <a:r>
+              <a:rPr lang="en-US" sz="1600" dirty="0">
+                <a:solidFill>
+                  <a:schemeClr val="accent1"/>
+                </a:solidFill>
+                <a:latin typeface="Consolas" panose="020B0609020204030204" pitchFamily="49" charset="0"/>
+              </a:rPr>
+              <a:t>pressed = true</a:t>
+            </a:r>
+          </a:p>
+        </p:txBody>
+      </p:sp>
+    </p:spTree>
+    <p:extLst>
+      <p:ext uri="{BB962C8B-B14F-4D97-AF65-F5344CB8AC3E}">
+        <p14:creationId xmlns:p14="http://schemas.microsoft.com/office/powerpoint/2010/main" val="2710839349"/>
+      </p:ext>
+    </p:extLst>
+  </p:cSld>
+  <p:clrMapOvr>
+    <a:masterClrMapping/>
+  </p:clrMapOvr>
+</p:sld>
+</file>
+
 <file path=ppt/theme/theme1.xml><?xml version="1.0" encoding="utf-8"?>
 <a:theme xmlns:a="http://schemas.openxmlformats.org/drawingml/2006/main" name="Office Theme">
   <a:themeElements>

--- a/_media_srcs/ecen330.pptx
+++ b/_media_srcs/ecen330.pptx
@@ -7,6 +7,7 @@
   <p:sldIdLst>
     <p:sldId id="256" r:id="rId2"/>
     <p:sldId id="257" r:id="rId3"/>
+    <p:sldId id="258" r:id="rId4"/>
   </p:sldIdLst>
   <p:sldSz cx="12192000" cy="6858000"/>
   <p:notesSz cx="6858000" cy="9144000"/>
@@ -260,9 +261,9 @@
           <a:p>
             <a:fld id="{7967AD1A-5EE4-40C1-AEBF-D912047BFE39}" type="datetimeFigureOut">
               <a:rPr lang="en-US" smtClean="0"/>
-              <a:t>7/6/2022</a:t>
+              <a:t>7/18/2022</a:t>
             </a:fld>
-            <a:endParaRPr lang="en-US"/>
+            <a:endParaRPr lang="en-US" dirty="0"/>
           </a:p>
         </p:txBody>
       </p:sp>
@@ -287,7 +288,7 @@
           <a:bodyPr/>
           <a:lstStyle/>
           <a:p>
-            <a:endParaRPr lang="en-US"/>
+            <a:endParaRPr lang="en-US" dirty="0"/>
           </a:p>
         </p:txBody>
       </p:sp>
@@ -316,7 +317,7 @@
               <a:rPr lang="en-US" smtClean="0"/>
               <a:t>‹#›</a:t>
             </a:fld>
-            <a:endParaRPr lang="en-US"/>
+            <a:endParaRPr lang="en-US" dirty="0"/>
           </a:p>
         </p:txBody>
       </p:sp>
@@ -458,9 +459,9 @@
           <a:p>
             <a:fld id="{7967AD1A-5EE4-40C1-AEBF-D912047BFE39}" type="datetimeFigureOut">
               <a:rPr lang="en-US" smtClean="0"/>
-              <a:t>7/6/2022</a:t>
+              <a:t>7/18/2022</a:t>
             </a:fld>
-            <a:endParaRPr lang="en-US"/>
+            <a:endParaRPr lang="en-US" dirty="0"/>
           </a:p>
         </p:txBody>
       </p:sp>
@@ -485,7 +486,7 @@
           <a:bodyPr/>
           <a:lstStyle/>
           <a:p>
-            <a:endParaRPr lang="en-US"/>
+            <a:endParaRPr lang="en-US" dirty="0"/>
           </a:p>
         </p:txBody>
       </p:sp>
@@ -514,7 +515,7 @@
               <a:rPr lang="en-US" smtClean="0"/>
               <a:t>‹#›</a:t>
             </a:fld>
-            <a:endParaRPr lang="en-US"/>
+            <a:endParaRPr lang="en-US" dirty="0"/>
           </a:p>
         </p:txBody>
       </p:sp>
@@ -666,9 +667,9 @@
           <a:p>
             <a:fld id="{7967AD1A-5EE4-40C1-AEBF-D912047BFE39}" type="datetimeFigureOut">
               <a:rPr lang="en-US" smtClean="0"/>
-              <a:t>7/6/2022</a:t>
+              <a:t>7/18/2022</a:t>
             </a:fld>
-            <a:endParaRPr lang="en-US"/>
+            <a:endParaRPr lang="en-US" dirty="0"/>
           </a:p>
         </p:txBody>
       </p:sp>
@@ -693,7 +694,7 @@
           <a:bodyPr/>
           <a:lstStyle/>
           <a:p>
-            <a:endParaRPr lang="en-US"/>
+            <a:endParaRPr lang="en-US" dirty="0"/>
           </a:p>
         </p:txBody>
       </p:sp>
@@ -722,7 +723,7 @@
               <a:rPr lang="en-US" smtClean="0"/>
               <a:t>‹#›</a:t>
             </a:fld>
-            <a:endParaRPr lang="en-US"/>
+            <a:endParaRPr lang="en-US" dirty="0"/>
           </a:p>
         </p:txBody>
       </p:sp>
@@ -864,9 +865,9 @@
           <a:p>
             <a:fld id="{7967AD1A-5EE4-40C1-AEBF-D912047BFE39}" type="datetimeFigureOut">
               <a:rPr lang="en-US" smtClean="0"/>
-              <a:t>7/6/2022</a:t>
+              <a:t>7/18/2022</a:t>
             </a:fld>
-            <a:endParaRPr lang="en-US"/>
+            <a:endParaRPr lang="en-US" dirty="0"/>
           </a:p>
         </p:txBody>
       </p:sp>
@@ -891,7 +892,7 @@
           <a:bodyPr/>
           <a:lstStyle/>
           <a:p>
-            <a:endParaRPr lang="en-US"/>
+            <a:endParaRPr lang="en-US" dirty="0"/>
           </a:p>
         </p:txBody>
       </p:sp>
@@ -920,7 +921,7 @@
               <a:rPr lang="en-US" smtClean="0"/>
               <a:t>‹#›</a:t>
             </a:fld>
-            <a:endParaRPr lang="en-US"/>
+            <a:endParaRPr lang="en-US" dirty="0"/>
           </a:p>
         </p:txBody>
       </p:sp>
@@ -1139,9 +1140,9 @@
           <a:p>
             <a:fld id="{7967AD1A-5EE4-40C1-AEBF-D912047BFE39}" type="datetimeFigureOut">
               <a:rPr lang="en-US" smtClean="0"/>
-              <a:t>7/6/2022</a:t>
+              <a:t>7/18/2022</a:t>
             </a:fld>
-            <a:endParaRPr lang="en-US"/>
+            <a:endParaRPr lang="en-US" dirty="0"/>
           </a:p>
         </p:txBody>
       </p:sp>
@@ -1166,7 +1167,7 @@
           <a:bodyPr/>
           <a:lstStyle/>
           <a:p>
-            <a:endParaRPr lang="en-US"/>
+            <a:endParaRPr lang="en-US" dirty="0"/>
           </a:p>
         </p:txBody>
       </p:sp>
@@ -1195,7 +1196,7 @@
               <a:rPr lang="en-US" smtClean="0"/>
               <a:t>‹#›</a:t>
             </a:fld>
-            <a:endParaRPr lang="en-US"/>
+            <a:endParaRPr lang="en-US" dirty="0"/>
           </a:p>
         </p:txBody>
       </p:sp>
@@ -1404,9 +1405,9 @@
           <a:p>
             <a:fld id="{7967AD1A-5EE4-40C1-AEBF-D912047BFE39}" type="datetimeFigureOut">
               <a:rPr lang="en-US" smtClean="0"/>
-              <a:t>7/6/2022</a:t>
+              <a:t>7/18/2022</a:t>
             </a:fld>
-            <a:endParaRPr lang="en-US"/>
+            <a:endParaRPr lang="en-US" dirty="0"/>
           </a:p>
         </p:txBody>
       </p:sp>
@@ -1431,7 +1432,7 @@
           <a:bodyPr/>
           <a:lstStyle/>
           <a:p>
-            <a:endParaRPr lang="en-US"/>
+            <a:endParaRPr lang="en-US" dirty="0"/>
           </a:p>
         </p:txBody>
       </p:sp>
@@ -1460,7 +1461,7 @@
               <a:rPr lang="en-US" smtClean="0"/>
               <a:t>‹#›</a:t>
             </a:fld>
-            <a:endParaRPr lang="en-US"/>
+            <a:endParaRPr lang="en-US" dirty="0"/>
           </a:p>
         </p:txBody>
       </p:sp>
@@ -1816,9 +1817,9 @@
           <a:p>
             <a:fld id="{7967AD1A-5EE4-40C1-AEBF-D912047BFE39}" type="datetimeFigureOut">
               <a:rPr lang="en-US" smtClean="0"/>
-              <a:t>7/6/2022</a:t>
+              <a:t>7/18/2022</a:t>
             </a:fld>
-            <a:endParaRPr lang="en-US"/>
+            <a:endParaRPr lang="en-US" dirty="0"/>
           </a:p>
         </p:txBody>
       </p:sp>
@@ -1843,7 +1844,7 @@
           <a:bodyPr/>
           <a:lstStyle/>
           <a:p>
-            <a:endParaRPr lang="en-US"/>
+            <a:endParaRPr lang="en-US" dirty="0"/>
           </a:p>
         </p:txBody>
       </p:sp>
@@ -1872,7 +1873,7 @@
               <a:rPr lang="en-US" smtClean="0"/>
               <a:t>‹#›</a:t>
             </a:fld>
-            <a:endParaRPr lang="en-US"/>
+            <a:endParaRPr lang="en-US" dirty="0"/>
           </a:p>
         </p:txBody>
       </p:sp>
@@ -1957,9 +1958,9 @@
           <a:p>
             <a:fld id="{7967AD1A-5EE4-40C1-AEBF-D912047BFE39}" type="datetimeFigureOut">
               <a:rPr lang="en-US" smtClean="0"/>
-              <a:t>7/6/2022</a:t>
+              <a:t>7/18/2022</a:t>
             </a:fld>
-            <a:endParaRPr lang="en-US"/>
+            <a:endParaRPr lang="en-US" dirty="0"/>
           </a:p>
         </p:txBody>
       </p:sp>
@@ -1984,7 +1985,7 @@
           <a:bodyPr/>
           <a:lstStyle/>
           <a:p>
-            <a:endParaRPr lang="en-US"/>
+            <a:endParaRPr lang="en-US" dirty="0"/>
           </a:p>
         </p:txBody>
       </p:sp>
@@ -2013,7 +2014,7 @@
               <a:rPr lang="en-US" smtClean="0"/>
               <a:t>‹#›</a:t>
             </a:fld>
-            <a:endParaRPr lang="en-US"/>
+            <a:endParaRPr lang="en-US" dirty="0"/>
           </a:p>
         </p:txBody>
       </p:sp>
@@ -2070,9 +2071,9 @@
           <a:p>
             <a:fld id="{7967AD1A-5EE4-40C1-AEBF-D912047BFE39}" type="datetimeFigureOut">
               <a:rPr lang="en-US" smtClean="0"/>
-              <a:t>7/6/2022</a:t>
+              <a:t>7/18/2022</a:t>
             </a:fld>
-            <a:endParaRPr lang="en-US"/>
+            <a:endParaRPr lang="en-US" dirty="0"/>
           </a:p>
         </p:txBody>
       </p:sp>
@@ -2097,7 +2098,7 @@
           <a:bodyPr/>
           <a:lstStyle/>
           <a:p>
-            <a:endParaRPr lang="en-US"/>
+            <a:endParaRPr lang="en-US" dirty="0"/>
           </a:p>
         </p:txBody>
       </p:sp>
@@ -2126,7 +2127,7 @@
               <a:rPr lang="en-US" smtClean="0"/>
               <a:t>‹#›</a:t>
             </a:fld>
-            <a:endParaRPr lang="en-US"/>
+            <a:endParaRPr lang="en-US" dirty="0"/>
           </a:p>
         </p:txBody>
       </p:sp>
@@ -2381,9 +2382,9 @@
           <a:p>
             <a:fld id="{7967AD1A-5EE4-40C1-AEBF-D912047BFE39}" type="datetimeFigureOut">
               <a:rPr lang="en-US" smtClean="0"/>
-              <a:t>7/6/2022</a:t>
+              <a:t>7/18/2022</a:t>
             </a:fld>
-            <a:endParaRPr lang="en-US"/>
+            <a:endParaRPr lang="en-US" dirty="0"/>
           </a:p>
         </p:txBody>
       </p:sp>
@@ -2408,7 +2409,7 @@
           <a:bodyPr/>
           <a:lstStyle/>
           <a:p>
-            <a:endParaRPr lang="en-US"/>
+            <a:endParaRPr lang="en-US" dirty="0"/>
           </a:p>
         </p:txBody>
       </p:sp>
@@ -2437,7 +2438,7 @@
               <a:rPr lang="en-US" smtClean="0"/>
               <a:t>‹#›</a:t>
             </a:fld>
-            <a:endParaRPr lang="en-US"/>
+            <a:endParaRPr lang="en-US" dirty="0"/>
           </a:p>
         </p:txBody>
       </p:sp>
@@ -2571,7 +2572,7 @@
             </a:lvl9pPr>
           </a:lstStyle>
           <a:p>
-            <a:endParaRPr lang="en-US"/>
+            <a:endParaRPr lang="en-US" dirty="0"/>
           </a:p>
         </p:txBody>
       </p:sp>
@@ -2669,9 +2670,9 @@
           <a:p>
             <a:fld id="{7967AD1A-5EE4-40C1-AEBF-D912047BFE39}" type="datetimeFigureOut">
               <a:rPr lang="en-US" smtClean="0"/>
-              <a:t>7/6/2022</a:t>
+              <a:t>7/18/2022</a:t>
             </a:fld>
-            <a:endParaRPr lang="en-US"/>
+            <a:endParaRPr lang="en-US" dirty="0"/>
           </a:p>
         </p:txBody>
       </p:sp>
@@ -2696,7 +2697,7 @@
           <a:bodyPr/>
           <a:lstStyle/>
           <a:p>
-            <a:endParaRPr lang="en-US"/>
+            <a:endParaRPr lang="en-US" dirty="0"/>
           </a:p>
         </p:txBody>
       </p:sp>
@@ -2725,7 +2726,7 @@
               <a:rPr lang="en-US" smtClean="0"/>
               <a:t>‹#›</a:t>
             </a:fld>
-            <a:endParaRPr lang="en-US"/>
+            <a:endParaRPr lang="en-US" dirty="0"/>
           </a:p>
         </p:txBody>
       </p:sp>
@@ -2910,9 +2911,9 @@
           <a:p>
             <a:fld id="{7967AD1A-5EE4-40C1-AEBF-D912047BFE39}" type="datetimeFigureOut">
               <a:rPr lang="en-US" smtClean="0"/>
-              <a:t>7/6/2022</a:t>
+              <a:t>7/18/2022</a:t>
             </a:fld>
-            <a:endParaRPr lang="en-US"/>
+            <a:endParaRPr lang="en-US" dirty="0"/>
           </a:p>
         </p:txBody>
       </p:sp>
@@ -2955,7 +2956,7 @@
             </a:lvl1pPr>
           </a:lstStyle>
           <a:p>
-            <a:endParaRPr lang="en-US"/>
+            <a:endParaRPr lang="en-US" dirty="0"/>
           </a:p>
         </p:txBody>
       </p:sp>
@@ -3002,7 +3003,7 @@
               <a:rPr lang="en-US" smtClean="0"/>
               <a:t>‹#›</a:t>
             </a:fld>
-            <a:endParaRPr lang="en-US"/>
+            <a:endParaRPr lang="en-US" dirty="0"/>
           </a:p>
         </p:txBody>
       </p:sp>
@@ -3581,7 +3582,7 @@
               <a:lstStyle/>
               <a:p>
                 <a:pPr algn="ctr"/>
-                <a:endParaRPr lang="en-US"/>
+                <a:endParaRPr lang="en-US" dirty="0"/>
               </a:p>
             </p:txBody>
           </p:sp>
@@ -3768,7 +3769,7 @@
               <a:lstStyle/>
               <a:p>
                 <a:pPr algn="ctr"/>
-                <a:endParaRPr lang="en-US"/>
+                <a:endParaRPr lang="en-US" dirty="0"/>
               </a:p>
             </p:txBody>
           </p:sp>
@@ -3956,7 +3957,7 @@
               <a:lstStyle/>
               <a:p>
                 <a:pPr algn="ctr"/>
-                <a:endParaRPr lang="en-US"/>
+                <a:endParaRPr lang="en-US" dirty="0"/>
               </a:p>
             </p:txBody>
           </p:sp>
@@ -4048,7 +4049,7 @@
           <a:lstStyle/>
           <a:p>
             <a:pPr algn="ctr"/>
-            <a:endParaRPr lang="en-US"/>
+            <a:endParaRPr lang="en-US" dirty="0"/>
           </a:p>
         </p:txBody>
       </p:sp>
@@ -4102,7 +4103,7 @@
           <a:lstStyle/>
           <a:p>
             <a:pPr algn="ctr"/>
-            <a:endParaRPr lang="en-US"/>
+            <a:endParaRPr lang="en-US" dirty="0"/>
           </a:p>
         </p:txBody>
       </p:sp>
@@ -4156,7 +4157,7 @@
           <a:lstStyle/>
           <a:p>
             <a:pPr algn="ctr"/>
-            <a:endParaRPr lang="en-US"/>
+            <a:endParaRPr lang="en-US" dirty="0"/>
           </a:p>
         </p:txBody>
       </p:sp>
@@ -4210,7 +4211,7 @@
           <a:lstStyle/>
           <a:p>
             <a:pPr algn="ctr"/>
-            <a:endParaRPr lang="en-US"/>
+            <a:endParaRPr lang="en-US" dirty="0"/>
           </a:p>
         </p:txBody>
       </p:sp>
@@ -4264,7 +4265,7 @@
           <a:lstStyle/>
           <a:p>
             <a:pPr algn="ctr"/>
-            <a:endParaRPr lang="en-US"/>
+            <a:endParaRPr lang="en-US" dirty="0"/>
           </a:p>
         </p:txBody>
       </p:sp>
@@ -4318,7 +4319,7 @@
           <a:lstStyle/>
           <a:p>
             <a:pPr algn="ctr"/>
-            <a:endParaRPr lang="en-US"/>
+            <a:endParaRPr lang="en-US" dirty="0"/>
           </a:p>
         </p:txBody>
       </p:sp>
@@ -4372,7 +4373,7 @@
           <a:lstStyle/>
           <a:p>
             <a:pPr algn="ctr"/>
-            <a:endParaRPr lang="en-US"/>
+            <a:endParaRPr lang="en-US" dirty="0"/>
           </a:p>
         </p:txBody>
       </p:sp>
@@ -4685,7 +4686,7 @@
           <a:lstStyle/>
           <a:p>
             <a:pPr algn="ctr"/>
-            <a:endParaRPr lang="en-US"/>
+            <a:endParaRPr lang="en-US" dirty="0"/>
           </a:p>
         </p:txBody>
       </p:sp>
@@ -4774,7 +4775,7 @@
           <a:lstStyle/>
           <a:p>
             <a:pPr algn="ctr"/>
-            <a:endParaRPr lang="en-US"/>
+            <a:endParaRPr lang="en-US" dirty="0"/>
           </a:p>
         </p:txBody>
       </p:sp>
@@ -5725,6 +5726,1234 @@
     <p:extLst>
       <p:ext uri="{BB962C8B-B14F-4D97-AF65-F5344CB8AC3E}">
         <p14:creationId xmlns:p14="http://schemas.microsoft.com/office/powerpoint/2010/main" val="2710839349"/>
+      </p:ext>
+    </p:extLst>
+  </p:cSld>
+  <p:clrMapOvr>
+    <a:masterClrMapping/>
+  </p:clrMapOvr>
+</p:sld>
+</file>
+
+<file path=ppt/slides/slide3.xml><?xml version="1.0" encoding="utf-8"?>
+<p:sld xmlns:a="http://schemas.openxmlformats.org/drawingml/2006/main" xmlns:r="http://schemas.openxmlformats.org/officeDocument/2006/relationships" xmlns:p="http://schemas.openxmlformats.org/presentationml/2006/main">
+  <p:cSld>
+    <p:spTree>
+      <p:nvGrpSpPr>
+        <p:cNvPr id="1" name=""/>
+        <p:cNvGrpSpPr/>
+        <p:nvPr/>
+      </p:nvGrpSpPr>
+      <p:grpSpPr>
+        <a:xfrm>
+          <a:off x="0" y="0"/>
+          <a:ext cx="0" cy="0"/>
+          <a:chOff x="0" y="0"/>
+          <a:chExt cx="0" cy="0"/>
+        </a:xfrm>
+      </p:grpSpPr>
+      <p:sp>
+        <p:nvSpPr>
+          <p:cNvPr id="4" name="Oval 3">
+            <a:extLst>
+              <a:ext uri="{FF2B5EF4-FFF2-40B4-BE49-F238E27FC236}">
+                <a16:creationId xmlns:a16="http://schemas.microsoft.com/office/drawing/2014/main" id="{E26356A0-05AD-74C7-4CAE-362559989514}"/>
+              </a:ext>
+            </a:extLst>
+          </p:cNvPr>
+          <p:cNvSpPr/>
+          <p:nvPr/>
+        </p:nvSpPr>
+        <p:spPr>
+          <a:xfrm>
+            <a:off x="1753664" y="832207"/>
+            <a:ext cx="2060362" cy="940084"/>
+          </a:xfrm>
+          <a:prstGeom prst="ellipse">
+            <a:avLst/>
+          </a:prstGeom>
+          <a:solidFill>
+            <a:schemeClr val="bg2">
+              <a:lumMod val="90000"/>
+            </a:schemeClr>
+          </a:solidFill>
+        </p:spPr>
+        <p:style>
+          <a:lnRef idx="2">
+            <a:schemeClr val="accent1">
+              <a:shade val="50000"/>
+            </a:schemeClr>
+          </a:lnRef>
+          <a:fillRef idx="1">
+            <a:schemeClr val="accent1"/>
+          </a:fillRef>
+          <a:effectRef idx="0">
+            <a:schemeClr val="accent1"/>
+          </a:effectRef>
+          <a:fontRef idx="minor">
+            <a:schemeClr val="lt1"/>
+          </a:fontRef>
+        </p:style>
+        <p:txBody>
+          <a:bodyPr lIns="0" tIns="0" rIns="0" bIns="0" rtlCol="0" anchor="ctr"/>
+          <a:lstStyle/>
+          <a:p>
+            <a:pPr algn="ctr"/>
+            <a:r>
+              <a:rPr lang="en-US" dirty="0">
+                <a:solidFill>
+                  <a:schemeClr val="tx1"/>
+                </a:solidFill>
+              </a:rPr>
+              <a:t>WAITING</a:t>
+            </a:r>
+          </a:p>
+        </p:txBody>
+      </p:sp>
+      <p:sp>
+        <p:nvSpPr>
+          <p:cNvPr id="5" name="Oval 4">
+            <a:extLst>
+              <a:ext uri="{FF2B5EF4-FFF2-40B4-BE49-F238E27FC236}">
+                <a16:creationId xmlns:a16="http://schemas.microsoft.com/office/drawing/2014/main" id="{5102081D-4483-CA66-78ED-4BA277875AB5}"/>
+              </a:ext>
+            </a:extLst>
+          </p:cNvPr>
+          <p:cNvSpPr/>
+          <p:nvPr/>
+        </p:nvSpPr>
+        <p:spPr>
+          <a:xfrm>
+            <a:off x="5934136" y="979436"/>
+            <a:ext cx="2060362" cy="940084"/>
+          </a:xfrm>
+          <a:prstGeom prst="ellipse">
+            <a:avLst/>
+          </a:prstGeom>
+          <a:solidFill>
+            <a:schemeClr val="bg2">
+              <a:lumMod val="90000"/>
+            </a:schemeClr>
+          </a:solidFill>
+        </p:spPr>
+        <p:style>
+          <a:lnRef idx="2">
+            <a:schemeClr val="accent1">
+              <a:shade val="50000"/>
+            </a:schemeClr>
+          </a:lnRef>
+          <a:fillRef idx="1">
+            <a:schemeClr val="accent1"/>
+          </a:fillRef>
+          <a:effectRef idx="0">
+            <a:schemeClr val="accent1"/>
+          </a:effectRef>
+          <a:fontRef idx="minor">
+            <a:schemeClr val="lt1"/>
+          </a:fontRef>
+        </p:style>
+        <p:txBody>
+          <a:bodyPr lIns="0" tIns="0" rIns="0" bIns="0" rtlCol="0" anchor="ctr"/>
+          <a:lstStyle/>
+          <a:p>
+            <a:pPr algn="ctr"/>
+            <a:r>
+              <a:rPr lang="en-US" dirty="0">
+                <a:solidFill>
+                  <a:schemeClr val="tx1"/>
+                </a:solidFill>
+              </a:rPr>
+              <a:t>LONG_PRESS_DELAY</a:t>
+            </a:r>
+          </a:p>
+        </p:txBody>
+      </p:sp>
+      <p:sp>
+        <p:nvSpPr>
+          <p:cNvPr id="7" name="Oval 6">
+            <a:extLst>
+              <a:ext uri="{FF2B5EF4-FFF2-40B4-BE49-F238E27FC236}">
+                <a16:creationId xmlns:a16="http://schemas.microsoft.com/office/drawing/2014/main" id="{0B977EF4-DBAC-0373-499B-F62282B65180}"/>
+              </a:ext>
+            </a:extLst>
+          </p:cNvPr>
+          <p:cNvSpPr/>
+          <p:nvPr/>
+        </p:nvSpPr>
+        <p:spPr>
+          <a:xfrm>
+            <a:off x="3927149" y="2149839"/>
+            <a:ext cx="2060362" cy="940084"/>
+          </a:xfrm>
+          <a:prstGeom prst="ellipse">
+            <a:avLst/>
+          </a:prstGeom>
+          <a:solidFill>
+            <a:schemeClr val="bg2">
+              <a:lumMod val="90000"/>
+            </a:schemeClr>
+          </a:solidFill>
+        </p:spPr>
+        <p:style>
+          <a:lnRef idx="2">
+            <a:schemeClr val="accent1">
+              <a:shade val="50000"/>
+            </a:schemeClr>
+          </a:lnRef>
+          <a:fillRef idx="1">
+            <a:schemeClr val="accent1"/>
+          </a:fillRef>
+          <a:effectRef idx="0">
+            <a:schemeClr val="accent1"/>
+          </a:effectRef>
+          <a:fontRef idx="minor">
+            <a:schemeClr val="lt1"/>
+          </a:fontRef>
+        </p:style>
+        <p:txBody>
+          <a:bodyPr lIns="0" tIns="0" rIns="0" bIns="0" rtlCol="0" anchor="ctr"/>
+          <a:lstStyle/>
+          <a:p>
+            <a:pPr algn="ctr"/>
+            <a:r>
+              <a:rPr lang="en-US" dirty="0">
+                <a:solidFill>
+                  <a:schemeClr val="tx1"/>
+                </a:solidFill>
+              </a:rPr>
+              <a:t>INC_DEC</a:t>
+            </a:r>
+          </a:p>
+        </p:txBody>
+      </p:sp>
+      <p:cxnSp>
+        <p:nvCxnSpPr>
+          <p:cNvPr id="8" name="Connector: Curved 7">
+            <a:extLst>
+              <a:ext uri="{FF2B5EF4-FFF2-40B4-BE49-F238E27FC236}">
+                <a16:creationId xmlns:a16="http://schemas.microsoft.com/office/drawing/2014/main" id="{516D6C98-DA3F-5F04-D09E-97E5ABA0E7D6}"/>
+              </a:ext>
+            </a:extLst>
+          </p:cNvPr>
+          <p:cNvCxnSpPr>
+            <a:cxnSpLocks/>
+            <a:stCxn id="4" idx="7"/>
+            <a:endCxn id="5" idx="1"/>
+          </p:cNvCxnSpPr>
+          <p:nvPr/>
+        </p:nvCxnSpPr>
+        <p:spPr>
+          <a:xfrm rot="16200000" flipH="1">
+            <a:off x="4800466" y="-318295"/>
+            <a:ext cx="147229" cy="2723576"/>
+          </a:xfrm>
+          <a:prstGeom prst="curvedConnector3">
+            <a:avLst>
+              <a:gd name="adj1" fmla="val -248777"/>
+            </a:avLst>
+          </a:prstGeom>
+          <a:ln w="28575">
+            <a:solidFill>
+              <a:schemeClr val="tx1"/>
+            </a:solidFill>
+            <a:tailEnd type="triangle"/>
+          </a:ln>
+        </p:spPr>
+        <p:style>
+          <a:lnRef idx="1">
+            <a:schemeClr val="accent1"/>
+          </a:lnRef>
+          <a:fillRef idx="0">
+            <a:schemeClr val="accent1"/>
+          </a:fillRef>
+          <a:effectRef idx="0">
+            <a:schemeClr val="accent1"/>
+          </a:effectRef>
+          <a:fontRef idx="minor">
+            <a:schemeClr val="tx1"/>
+          </a:fontRef>
+        </p:style>
+      </p:cxnSp>
+      <p:sp>
+        <p:nvSpPr>
+          <p:cNvPr id="12" name="TextBox 11">
+            <a:extLst>
+              <a:ext uri="{FF2B5EF4-FFF2-40B4-BE49-F238E27FC236}">
+                <a16:creationId xmlns:a16="http://schemas.microsoft.com/office/drawing/2014/main" id="{EF91858F-BD3B-FDD2-7FB2-1114BAB3937A}"/>
+              </a:ext>
+            </a:extLst>
+          </p:cNvPr>
+          <p:cNvSpPr txBox="1"/>
+          <p:nvPr/>
+        </p:nvSpPr>
+        <p:spPr>
+          <a:xfrm>
+            <a:off x="3777551" y="-34566"/>
+            <a:ext cx="2250555" cy="646331"/>
+          </a:xfrm>
+          <a:prstGeom prst="rect">
+            <a:avLst/>
+          </a:prstGeom>
+          <a:noFill/>
+        </p:spPr>
+        <p:txBody>
+          <a:bodyPr wrap="square">
+            <a:spAutoFit/>
+          </a:bodyPr>
+          <a:lstStyle/>
+          <a:p>
+            <a:pPr algn="ctr"/>
+            <a:r>
+              <a:rPr lang="en-US" b="0" dirty="0">
+                <a:effectLst/>
+                <a:latin typeface="Consolas" panose="020B0609020204030204" pitchFamily="49" charset="0"/>
+              </a:rPr>
+              <a:t>PRESSED /</a:t>
+            </a:r>
+          </a:p>
+          <a:p>
+            <a:pPr algn="ctr"/>
+            <a:r>
+              <a:rPr lang="en-US" dirty="0">
+                <a:solidFill>
+                  <a:srgbClr val="7030A0"/>
+                </a:solidFill>
+                <a:latin typeface="Consolas" panose="020B0609020204030204" pitchFamily="49" charset="0"/>
+              </a:rPr>
+              <a:t>delay_cnt = 0</a:t>
+            </a:r>
+            <a:endParaRPr lang="en-US" b="0" dirty="0">
+              <a:solidFill>
+                <a:srgbClr val="7030A0"/>
+              </a:solidFill>
+              <a:effectLst/>
+              <a:latin typeface="Consolas" panose="020B0609020204030204" pitchFamily="49" charset="0"/>
+            </a:endParaRPr>
+          </a:p>
+        </p:txBody>
+      </p:sp>
+      <p:cxnSp>
+        <p:nvCxnSpPr>
+          <p:cNvPr id="13" name="Connector: Curved 12">
+            <a:extLst>
+              <a:ext uri="{FF2B5EF4-FFF2-40B4-BE49-F238E27FC236}">
+                <a16:creationId xmlns:a16="http://schemas.microsoft.com/office/drawing/2014/main" id="{67AD0668-45DB-6C9F-A342-2A9B4969A816}"/>
+              </a:ext>
+            </a:extLst>
+          </p:cNvPr>
+          <p:cNvCxnSpPr>
+            <a:cxnSpLocks/>
+            <a:stCxn id="4" idx="6"/>
+            <a:endCxn id="7" idx="0"/>
+          </p:cNvCxnSpPr>
+          <p:nvPr/>
+        </p:nvCxnSpPr>
+        <p:spPr>
+          <a:xfrm>
+            <a:off x="3814026" y="1302249"/>
+            <a:ext cx="1143304" cy="847590"/>
+          </a:xfrm>
+          <a:prstGeom prst="curvedConnector2">
+            <a:avLst/>
+          </a:prstGeom>
+          <a:ln w="28575">
+            <a:solidFill>
+              <a:schemeClr val="tx1"/>
+            </a:solidFill>
+            <a:tailEnd type="triangle"/>
+          </a:ln>
+        </p:spPr>
+        <p:style>
+          <a:lnRef idx="1">
+            <a:schemeClr val="accent1"/>
+          </a:lnRef>
+          <a:fillRef idx="0">
+            <a:schemeClr val="accent1"/>
+          </a:fillRef>
+          <a:effectRef idx="0">
+            <a:schemeClr val="accent1"/>
+          </a:effectRef>
+          <a:fontRef idx="minor">
+            <a:schemeClr val="tx1"/>
+          </a:fontRef>
+        </p:style>
+      </p:cxnSp>
+      <p:sp>
+        <p:nvSpPr>
+          <p:cNvPr id="17" name="TextBox 16">
+            <a:extLst>
+              <a:ext uri="{FF2B5EF4-FFF2-40B4-BE49-F238E27FC236}">
+                <a16:creationId xmlns:a16="http://schemas.microsoft.com/office/drawing/2014/main" id="{1226A190-72B2-D015-0C1D-2208BEDA3953}"/>
+              </a:ext>
+            </a:extLst>
+          </p:cNvPr>
+          <p:cNvSpPr txBox="1"/>
+          <p:nvPr/>
+        </p:nvSpPr>
+        <p:spPr>
+          <a:xfrm>
+            <a:off x="3645505" y="1664677"/>
+            <a:ext cx="1221006" cy="369332"/>
+          </a:xfrm>
+          <a:prstGeom prst="rect">
+            <a:avLst/>
+          </a:prstGeom>
+          <a:noFill/>
+        </p:spPr>
+        <p:txBody>
+          <a:bodyPr wrap="square">
+            <a:spAutoFit/>
+          </a:bodyPr>
+          <a:lstStyle/>
+          <a:p>
+            <a:r>
+              <a:rPr lang="en-US" b="0" dirty="0">
+                <a:effectLst/>
+                <a:latin typeface="Consolas" panose="020B0609020204030204" pitchFamily="49" charset="0"/>
+              </a:rPr>
+              <a:t>RELEASED</a:t>
+            </a:r>
+          </a:p>
+        </p:txBody>
+      </p:sp>
+      <p:cxnSp>
+        <p:nvCxnSpPr>
+          <p:cNvPr id="23" name="Connector: Curved 22">
+            <a:extLst>
+              <a:ext uri="{FF2B5EF4-FFF2-40B4-BE49-F238E27FC236}">
+                <a16:creationId xmlns:a16="http://schemas.microsoft.com/office/drawing/2014/main" id="{727AA6AD-A3AA-2D28-B8D6-4A2ED24980D2}"/>
+              </a:ext>
+            </a:extLst>
+          </p:cNvPr>
+          <p:cNvCxnSpPr>
+            <a:cxnSpLocks/>
+            <a:stCxn id="5" idx="2"/>
+            <a:endCxn id="7" idx="7"/>
+          </p:cNvCxnSpPr>
+          <p:nvPr/>
+        </p:nvCxnSpPr>
+        <p:spPr>
+          <a:xfrm rot="10800000" flipV="1">
+            <a:off x="5685778" y="1449477"/>
+            <a:ext cx="248358" cy="838033"/>
+          </a:xfrm>
+          <a:prstGeom prst="curvedConnector2">
+            <a:avLst/>
+          </a:prstGeom>
+          <a:ln w="28575">
+            <a:solidFill>
+              <a:schemeClr val="tx1"/>
+            </a:solidFill>
+            <a:tailEnd type="triangle"/>
+          </a:ln>
+        </p:spPr>
+        <p:style>
+          <a:lnRef idx="1">
+            <a:schemeClr val="accent1"/>
+          </a:lnRef>
+          <a:fillRef idx="0">
+            <a:schemeClr val="accent1"/>
+          </a:fillRef>
+          <a:effectRef idx="0">
+            <a:schemeClr val="accent1"/>
+          </a:effectRef>
+          <a:fontRef idx="minor">
+            <a:schemeClr val="tx1"/>
+          </a:fontRef>
+        </p:style>
+      </p:cxnSp>
+      <p:sp>
+        <p:nvSpPr>
+          <p:cNvPr id="26" name="TextBox 25">
+            <a:extLst>
+              <a:ext uri="{FF2B5EF4-FFF2-40B4-BE49-F238E27FC236}">
+                <a16:creationId xmlns:a16="http://schemas.microsoft.com/office/drawing/2014/main" id="{C26CEFE3-AB9F-6CC5-F5FC-6844A7D1B054}"/>
+              </a:ext>
+            </a:extLst>
+          </p:cNvPr>
+          <p:cNvSpPr txBox="1"/>
+          <p:nvPr/>
+        </p:nvSpPr>
+        <p:spPr>
+          <a:xfrm>
+            <a:off x="5706201" y="1951394"/>
+            <a:ext cx="1267302" cy="369332"/>
+          </a:xfrm>
+          <a:prstGeom prst="rect">
+            <a:avLst/>
+          </a:prstGeom>
+          <a:noFill/>
+        </p:spPr>
+        <p:txBody>
+          <a:bodyPr wrap="square">
+            <a:spAutoFit/>
+          </a:bodyPr>
+          <a:lstStyle/>
+          <a:p>
+            <a:r>
+              <a:rPr lang="en-US" b="0" dirty="0">
+                <a:effectLst/>
+                <a:latin typeface="Consolas" panose="020B0609020204030204" pitchFamily="49" charset="0"/>
+              </a:rPr>
+              <a:t>RELEASED</a:t>
+            </a:r>
+          </a:p>
+        </p:txBody>
+      </p:sp>
+      <p:cxnSp>
+        <p:nvCxnSpPr>
+          <p:cNvPr id="31" name="Connector: Curved 30">
+            <a:extLst>
+              <a:ext uri="{FF2B5EF4-FFF2-40B4-BE49-F238E27FC236}">
+                <a16:creationId xmlns:a16="http://schemas.microsoft.com/office/drawing/2014/main" id="{423ADD05-E524-971A-8063-C2D21C0951BF}"/>
+              </a:ext>
+            </a:extLst>
+          </p:cNvPr>
+          <p:cNvCxnSpPr>
+            <a:cxnSpLocks/>
+            <a:stCxn id="5" idx="6"/>
+            <a:endCxn id="54" idx="7"/>
+          </p:cNvCxnSpPr>
+          <p:nvPr/>
+        </p:nvCxnSpPr>
+        <p:spPr>
+          <a:xfrm flipH="1">
+            <a:off x="7854629" y="1449478"/>
+            <a:ext cx="139869" cy="2918550"/>
+          </a:xfrm>
+          <a:prstGeom prst="curvedConnector4">
+            <a:avLst>
+              <a:gd name="adj1" fmla="val -163439"/>
+              <a:gd name="adj2" fmla="val 55694"/>
+            </a:avLst>
+          </a:prstGeom>
+          <a:ln w="28575">
+            <a:solidFill>
+              <a:schemeClr val="tx1"/>
+            </a:solidFill>
+            <a:tailEnd type="triangle"/>
+          </a:ln>
+        </p:spPr>
+        <p:style>
+          <a:lnRef idx="1">
+            <a:schemeClr val="accent1"/>
+          </a:lnRef>
+          <a:fillRef idx="0">
+            <a:schemeClr val="accent1"/>
+          </a:fillRef>
+          <a:effectRef idx="0">
+            <a:schemeClr val="accent1"/>
+          </a:effectRef>
+          <a:fontRef idx="minor">
+            <a:schemeClr val="tx1"/>
+          </a:fontRef>
+        </p:style>
+      </p:cxnSp>
+      <p:sp>
+        <p:nvSpPr>
+          <p:cNvPr id="34" name="TextBox 33">
+            <a:extLst>
+              <a:ext uri="{FF2B5EF4-FFF2-40B4-BE49-F238E27FC236}">
+                <a16:creationId xmlns:a16="http://schemas.microsoft.com/office/drawing/2014/main" id="{822C9395-0CF7-9B51-F88E-649F65BDD397}"/>
+              </a:ext>
+            </a:extLst>
+          </p:cNvPr>
+          <p:cNvSpPr txBox="1"/>
+          <p:nvPr/>
+        </p:nvSpPr>
+        <p:spPr>
+          <a:xfrm>
+            <a:off x="7462946" y="2760598"/>
+            <a:ext cx="3529486" cy="923330"/>
+          </a:xfrm>
+          <a:prstGeom prst="rect">
+            <a:avLst/>
+          </a:prstGeom>
+          <a:noFill/>
+        </p:spPr>
+        <p:txBody>
+          <a:bodyPr wrap="square">
+            <a:spAutoFit/>
+          </a:bodyPr>
+          <a:lstStyle/>
+          <a:p>
+            <a:pPr algn="ctr"/>
+            <a:r>
+              <a:rPr lang="en-US" b="0" dirty="0">
+                <a:effectLst/>
+                <a:latin typeface="Consolas" panose="020B0609020204030204" pitchFamily="49" charset="0"/>
+              </a:rPr>
+              <a:t>delay_cnt == delay_num_ticks /</a:t>
+            </a:r>
+          </a:p>
+          <a:p>
+            <a:pPr algn="ctr"/>
+            <a:r>
+              <a:rPr lang="en-US" dirty="0">
+                <a:solidFill>
+                  <a:srgbClr val="7030A0"/>
+                </a:solidFill>
+                <a:latin typeface="Consolas" panose="020B0609020204030204" pitchFamily="49" charset="0"/>
+              </a:rPr>
+              <a:t>update_cnt = 0</a:t>
+            </a:r>
+            <a:endParaRPr lang="en-US" b="0" dirty="0">
+              <a:solidFill>
+                <a:srgbClr val="7030A0"/>
+              </a:solidFill>
+              <a:effectLst/>
+              <a:latin typeface="Consolas" panose="020B0609020204030204" pitchFamily="49" charset="0"/>
+            </a:endParaRPr>
+          </a:p>
+        </p:txBody>
+      </p:sp>
+      <p:cxnSp>
+        <p:nvCxnSpPr>
+          <p:cNvPr id="35" name="Connector: Curved 34">
+            <a:extLst>
+              <a:ext uri="{FF2B5EF4-FFF2-40B4-BE49-F238E27FC236}">
+                <a16:creationId xmlns:a16="http://schemas.microsoft.com/office/drawing/2014/main" id="{A7BE15E8-40FE-0B9B-F521-DB1FE3B99068}"/>
+              </a:ext>
+            </a:extLst>
+          </p:cNvPr>
+          <p:cNvCxnSpPr>
+            <a:cxnSpLocks/>
+            <a:stCxn id="5" idx="7"/>
+            <a:endCxn id="5" idx="0"/>
+          </p:cNvCxnSpPr>
+          <p:nvPr/>
+        </p:nvCxnSpPr>
+        <p:spPr>
+          <a:xfrm rot="16200000" flipV="1">
+            <a:off x="7259705" y="684048"/>
+            <a:ext cx="137672" cy="728448"/>
+          </a:xfrm>
+          <a:prstGeom prst="curvedConnector3">
+            <a:avLst>
+              <a:gd name="adj1" fmla="val 266047"/>
+            </a:avLst>
+          </a:prstGeom>
+          <a:ln w="28575">
+            <a:solidFill>
+              <a:schemeClr val="tx1"/>
+            </a:solidFill>
+            <a:tailEnd type="triangle"/>
+          </a:ln>
+        </p:spPr>
+        <p:style>
+          <a:lnRef idx="1">
+            <a:schemeClr val="accent1"/>
+          </a:lnRef>
+          <a:fillRef idx="0">
+            <a:schemeClr val="accent1"/>
+          </a:fillRef>
+          <a:effectRef idx="0">
+            <a:schemeClr val="accent1"/>
+          </a:effectRef>
+          <a:fontRef idx="minor">
+            <a:schemeClr val="tx1"/>
+          </a:fontRef>
+        </p:style>
+      </p:cxnSp>
+      <p:sp>
+        <p:nvSpPr>
+          <p:cNvPr id="38" name="TextBox 37">
+            <a:extLst>
+              <a:ext uri="{FF2B5EF4-FFF2-40B4-BE49-F238E27FC236}">
+                <a16:creationId xmlns:a16="http://schemas.microsoft.com/office/drawing/2014/main" id="{F2D33D4F-86DF-C469-871D-DDFB1FEE1F95}"/>
+              </a:ext>
+            </a:extLst>
+          </p:cNvPr>
+          <p:cNvSpPr txBox="1"/>
+          <p:nvPr/>
+        </p:nvSpPr>
+        <p:spPr>
+          <a:xfrm>
+            <a:off x="6663932" y="458787"/>
+            <a:ext cx="2250555" cy="369332"/>
+          </a:xfrm>
+          <a:prstGeom prst="rect">
+            <a:avLst/>
+          </a:prstGeom>
+          <a:noFill/>
+        </p:spPr>
+        <p:txBody>
+          <a:bodyPr wrap="square">
+            <a:spAutoFit/>
+          </a:bodyPr>
+          <a:lstStyle/>
+          <a:p>
+            <a:pPr algn="ctr"/>
+            <a:r>
+              <a:rPr lang="en-US" b="0" dirty="0">
+                <a:effectLst/>
+                <a:latin typeface="Consolas" panose="020B0609020204030204" pitchFamily="49" charset="0"/>
+              </a:rPr>
+              <a:t>other</a:t>
+            </a:r>
+            <a:endParaRPr lang="en-US" b="0" dirty="0">
+              <a:solidFill>
+                <a:srgbClr val="7030A0"/>
+              </a:solidFill>
+              <a:effectLst/>
+              <a:latin typeface="Consolas" panose="020B0609020204030204" pitchFamily="49" charset="0"/>
+            </a:endParaRPr>
+          </a:p>
+        </p:txBody>
+      </p:sp>
+      <p:cxnSp>
+        <p:nvCxnSpPr>
+          <p:cNvPr id="49" name="Connector: Curved 48">
+            <a:extLst>
+              <a:ext uri="{FF2B5EF4-FFF2-40B4-BE49-F238E27FC236}">
+                <a16:creationId xmlns:a16="http://schemas.microsoft.com/office/drawing/2014/main" id="{FF716D1D-9C19-20A5-6FE9-8A788532DE04}"/>
+              </a:ext>
+            </a:extLst>
+          </p:cNvPr>
+          <p:cNvCxnSpPr>
+            <a:cxnSpLocks/>
+            <a:stCxn id="7" idx="2"/>
+            <a:endCxn id="4" idx="3"/>
+          </p:cNvCxnSpPr>
+          <p:nvPr/>
+        </p:nvCxnSpPr>
+        <p:spPr>
+          <a:xfrm rot="10800000">
+            <a:off x="2055397" y="1634619"/>
+            <a:ext cx="1871752" cy="985262"/>
+          </a:xfrm>
+          <a:prstGeom prst="curvedConnector2">
+            <a:avLst/>
+          </a:prstGeom>
+          <a:ln w="28575">
+            <a:solidFill>
+              <a:schemeClr val="tx1"/>
+            </a:solidFill>
+            <a:tailEnd type="triangle"/>
+          </a:ln>
+        </p:spPr>
+        <p:style>
+          <a:lnRef idx="1">
+            <a:schemeClr val="accent1"/>
+          </a:lnRef>
+          <a:fillRef idx="0">
+            <a:schemeClr val="accent1"/>
+          </a:fillRef>
+          <a:effectRef idx="0">
+            <a:schemeClr val="accent1"/>
+          </a:effectRef>
+          <a:fontRef idx="minor">
+            <a:schemeClr val="tx1"/>
+          </a:fontRef>
+        </p:style>
+      </p:cxnSp>
+      <p:sp>
+        <p:nvSpPr>
+          <p:cNvPr id="52" name="TextBox 51">
+            <a:extLst>
+              <a:ext uri="{FF2B5EF4-FFF2-40B4-BE49-F238E27FC236}">
+                <a16:creationId xmlns:a16="http://schemas.microsoft.com/office/drawing/2014/main" id="{175ED3CD-31D5-B1C3-9603-8EC5AD7617BF}"/>
+              </a:ext>
+            </a:extLst>
+          </p:cNvPr>
+          <p:cNvSpPr txBox="1"/>
+          <p:nvPr/>
+        </p:nvSpPr>
+        <p:spPr>
+          <a:xfrm>
+            <a:off x="458631" y="2333891"/>
+            <a:ext cx="3450331" cy="646331"/>
+          </a:xfrm>
+          <a:prstGeom prst="rect">
+            <a:avLst/>
+          </a:prstGeom>
+          <a:noFill/>
+        </p:spPr>
+        <p:txBody>
+          <a:bodyPr wrap="square">
+            <a:spAutoFit/>
+          </a:bodyPr>
+          <a:lstStyle/>
+          <a:p>
+            <a:pPr algn="ctr"/>
+            <a:r>
+              <a:rPr lang="en-US" b="0" dirty="0">
+                <a:effectLst/>
+                <a:latin typeface="Consolas" panose="020B0609020204030204" pitchFamily="49" charset="0"/>
+              </a:rPr>
+              <a:t>RELEASED</a:t>
+            </a:r>
+            <a:r>
+              <a:rPr lang="en-US" dirty="0">
+                <a:latin typeface="Consolas" panose="020B0609020204030204" pitchFamily="49" charset="0"/>
+              </a:rPr>
+              <a:t>/</a:t>
+            </a:r>
+          </a:p>
+          <a:p>
+            <a:pPr algn="ctr"/>
+            <a:r>
+              <a:rPr lang="en-US" b="0" dirty="0">
+                <a:solidFill>
+                  <a:srgbClr val="7030A0"/>
+                </a:solidFill>
+                <a:effectLst/>
+                <a:latin typeface="Consolas" panose="020B0609020204030204" pitchFamily="49" charset="0"/>
+              </a:rPr>
+              <a:t>touchscreen_ack_touch()</a:t>
+            </a:r>
+            <a:endParaRPr lang="en-US" b="0" dirty="0">
+              <a:effectLst/>
+              <a:latin typeface="Consolas" panose="020B0609020204030204" pitchFamily="49" charset="0"/>
+            </a:endParaRPr>
+          </a:p>
+        </p:txBody>
+      </p:sp>
+      <p:sp>
+        <p:nvSpPr>
+          <p:cNvPr id="54" name="Oval 53">
+            <a:extLst>
+              <a:ext uri="{FF2B5EF4-FFF2-40B4-BE49-F238E27FC236}">
+                <a16:creationId xmlns:a16="http://schemas.microsoft.com/office/drawing/2014/main" id="{749912DB-0C88-E500-BA3F-D79FF562C2E8}"/>
+              </a:ext>
+            </a:extLst>
+          </p:cNvPr>
+          <p:cNvSpPr/>
+          <p:nvPr/>
+        </p:nvSpPr>
+        <p:spPr>
+          <a:xfrm>
+            <a:off x="6096000" y="4230356"/>
+            <a:ext cx="2060362" cy="940084"/>
+          </a:xfrm>
+          <a:prstGeom prst="ellipse">
+            <a:avLst/>
+          </a:prstGeom>
+          <a:solidFill>
+            <a:schemeClr val="bg2">
+              <a:lumMod val="90000"/>
+            </a:schemeClr>
+          </a:solidFill>
+        </p:spPr>
+        <p:style>
+          <a:lnRef idx="2">
+            <a:schemeClr val="accent1">
+              <a:shade val="50000"/>
+            </a:schemeClr>
+          </a:lnRef>
+          <a:fillRef idx="1">
+            <a:schemeClr val="accent1"/>
+          </a:fillRef>
+          <a:effectRef idx="0">
+            <a:schemeClr val="accent1"/>
+          </a:effectRef>
+          <a:fontRef idx="minor">
+            <a:schemeClr val="lt1"/>
+          </a:fontRef>
+        </p:style>
+        <p:txBody>
+          <a:bodyPr lIns="0" tIns="0" rIns="0" bIns="0" rtlCol="0" anchor="ctr"/>
+          <a:lstStyle/>
+          <a:p>
+            <a:pPr algn="ctr"/>
+            <a:r>
+              <a:rPr lang="en-US" dirty="0">
+                <a:solidFill>
+                  <a:schemeClr val="tx1"/>
+                </a:solidFill>
+              </a:rPr>
+              <a:t>FAST_UPDATE</a:t>
+            </a:r>
+          </a:p>
+        </p:txBody>
+      </p:sp>
+      <p:cxnSp>
+        <p:nvCxnSpPr>
+          <p:cNvPr id="64" name="Connector: Curved 63">
+            <a:extLst>
+              <a:ext uri="{FF2B5EF4-FFF2-40B4-BE49-F238E27FC236}">
+                <a16:creationId xmlns:a16="http://schemas.microsoft.com/office/drawing/2014/main" id="{2ECAD3C7-1549-9011-758F-14441027F31C}"/>
+              </a:ext>
+            </a:extLst>
+          </p:cNvPr>
+          <p:cNvCxnSpPr>
+            <a:cxnSpLocks/>
+            <a:stCxn id="54" idx="6"/>
+            <a:endCxn id="54" idx="5"/>
+          </p:cNvCxnSpPr>
+          <p:nvPr/>
+        </p:nvCxnSpPr>
+        <p:spPr>
+          <a:xfrm flipH="1">
+            <a:off x="7854629" y="4700398"/>
+            <a:ext cx="301733" cy="332370"/>
+          </a:xfrm>
+          <a:prstGeom prst="curvedConnector4">
+            <a:avLst>
+              <a:gd name="adj1" fmla="val -75762"/>
+              <a:gd name="adj2" fmla="val 210200"/>
+            </a:avLst>
+          </a:prstGeom>
+          <a:ln w="28575">
+            <a:solidFill>
+              <a:schemeClr val="tx1"/>
+            </a:solidFill>
+            <a:tailEnd type="triangle"/>
+          </a:ln>
+        </p:spPr>
+        <p:style>
+          <a:lnRef idx="1">
+            <a:schemeClr val="accent1"/>
+          </a:lnRef>
+          <a:fillRef idx="0">
+            <a:schemeClr val="accent1"/>
+          </a:fillRef>
+          <a:effectRef idx="0">
+            <a:schemeClr val="accent1"/>
+          </a:effectRef>
+          <a:fontRef idx="minor">
+            <a:schemeClr val="tx1"/>
+          </a:fontRef>
+        </p:style>
+      </p:cxnSp>
+      <p:cxnSp>
+        <p:nvCxnSpPr>
+          <p:cNvPr id="69" name="Connector: Curved 68">
+            <a:extLst>
+              <a:ext uri="{FF2B5EF4-FFF2-40B4-BE49-F238E27FC236}">
+                <a16:creationId xmlns:a16="http://schemas.microsoft.com/office/drawing/2014/main" id="{17597730-EF13-9611-521E-B41DBE8226AA}"/>
+              </a:ext>
+            </a:extLst>
+          </p:cNvPr>
+          <p:cNvCxnSpPr>
+            <a:cxnSpLocks/>
+            <a:stCxn id="54" idx="3"/>
+            <a:endCxn id="4" idx="2"/>
+          </p:cNvCxnSpPr>
+          <p:nvPr/>
+        </p:nvCxnSpPr>
+        <p:spPr>
+          <a:xfrm rot="5400000" flipH="1">
+            <a:off x="2210439" y="845475"/>
+            <a:ext cx="3730519" cy="4644069"/>
+          </a:xfrm>
+          <a:prstGeom prst="curvedConnector4">
+            <a:avLst>
+              <a:gd name="adj1" fmla="val -9818"/>
+              <a:gd name="adj2" fmla="val 126011"/>
+            </a:avLst>
+          </a:prstGeom>
+          <a:ln w="28575">
+            <a:solidFill>
+              <a:schemeClr val="tx1"/>
+            </a:solidFill>
+            <a:tailEnd type="triangle"/>
+          </a:ln>
+        </p:spPr>
+        <p:style>
+          <a:lnRef idx="1">
+            <a:schemeClr val="accent1"/>
+          </a:lnRef>
+          <a:fillRef idx="0">
+            <a:schemeClr val="accent1"/>
+          </a:fillRef>
+          <a:effectRef idx="0">
+            <a:schemeClr val="accent1"/>
+          </a:effectRef>
+          <a:fontRef idx="minor">
+            <a:schemeClr val="tx1"/>
+          </a:fontRef>
+        </p:style>
+      </p:cxnSp>
+      <p:sp>
+        <p:nvSpPr>
+          <p:cNvPr id="72" name="TextBox 71">
+            <a:extLst>
+              <a:ext uri="{FF2B5EF4-FFF2-40B4-BE49-F238E27FC236}">
+                <a16:creationId xmlns:a16="http://schemas.microsoft.com/office/drawing/2014/main" id="{8885AA53-72FD-68BF-3D00-009960FFB968}"/>
+              </a:ext>
+            </a:extLst>
+          </p:cNvPr>
+          <p:cNvSpPr txBox="1"/>
+          <p:nvPr/>
+        </p:nvSpPr>
+        <p:spPr>
+          <a:xfrm>
+            <a:off x="1591800" y="4287547"/>
+            <a:ext cx="3139079" cy="646331"/>
+          </a:xfrm>
+          <a:prstGeom prst="rect">
+            <a:avLst/>
+          </a:prstGeom>
+          <a:noFill/>
+        </p:spPr>
+        <p:txBody>
+          <a:bodyPr wrap="square">
+            <a:spAutoFit/>
+          </a:bodyPr>
+          <a:lstStyle/>
+          <a:p>
+            <a:pPr algn="ctr"/>
+            <a:r>
+              <a:rPr lang="en-US" b="0" dirty="0">
+                <a:effectLst/>
+                <a:latin typeface="Consolas" panose="020B0609020204030204" pitchFamily="49" charset="0"/>
+              </a:rPr>
+              <a:t>RELEASED</a:t>
+            </a:r>
+            <a:r>
+              <a:rPr lang="en-US" dirty="0">
+                <a:latin typeface="Consolas" panose="020B0609020204030204" pitchFamily="49" charset="0"/>
+              </a:rPr>
+              <a:t> /</a:t>
+            </a:r>
+          </a:p>
+          <a:p>
+            <a:pPr algn="ctr"/>
+            <a:r>
+              <a:rPr lang="en-US" b="0" dirty="0">
+                <a:solidFill>
+                  <a:srgbClr val="7030A0"/>
+                </a:solidFill>
+                <a:effectLst/>
+                <a:latin typeface="Consolas" panose="020B0609020204030204" pitchFamily="49" charset="0"/>
+              </a:rPr>
+              <a:t>touchscreen_ack_touch()</a:t>
+            </a:r>
+            <a:endParaRPr lang="en-US" b="0" dirty="0">
+              <a:effectLst/>
+              <a:latin typeface="Consolas" panose="020B0609020204030204" pitchFamily="49" charset="0"/>
+            </a:endParaRPr>
+          </a:p>
+        </p:txBody>
+      </p:sp>
+      <p:cxnSp>
+        <p:nvCxnSpPr>
+          <p:cNvPr id="76" name="Connector: Curved 75">
+            <a:extLst>
+              <a:ext uri="{FF2B5EF4-FFF2-40B4-BE49-F238E27FC236}">
+                <a16:creationId xmlns:a16="http://schemas.microsoft.com/office/drawing/2014/main" id="{EF62AB91-1D66-701F-BF7A-D6F4C19AAB1C}"/>
+              </a:ext>
+            </a:extLst>
+          </p:cNvPr>
+          <p:cNvCxnSpPr>
+            <a:cxnSpLocks/>
+            <a:stCxn id="54" idx="0"/>
+            <a:endCxn id="54" idx="1"/>
+          </p:cNvCxnSpPr>
+          <p:nvPr/>
+        </p:nvCxnSpPr>
+        <p:spPr>
+          <a:xfrm rot="16200000" flipH="1" flipV="1">
+            <a:off x="6693121" y="3934968"/>
+            <a:ext cx="137672" cy="728448"/>
+          </a:xfrm>
+          <a:prstGeom prst="curvedConnector3">
+            <a:avLst>
+              <a:gd name="adj1" fmla="val -166047"/>
+            </a:avLst>
+          </a:prstGeom>
+          <a:ln w="28575">
+            <a:solidFill>
+              <a:schemeClr val="tx1"/>
+            </a:solidFill>
+            <a:tailEnd type="triangle"/>
+          </a:ln>
+        </p:spPr>
+        <p:style>
+          <a:lnRef idx="1">
+            <a:schemeClr val="accent1"/>
+          </a:lnRef>
+          <a:fillRef idx="0">
+            <a:schemeClr val="accent1"/>
+          </a:fillRef>
+          <a:effectRef idx="0">
+            <a:schemeClr val="accent1"/>
+          </a:effectRef>
+          <a:fontRef idx="minor">
+            <a:schemeClr val="tx1"/>
+          </a:fontRef>
+        </p:style>
+      </p:cxnSp>
+      <p:sp>
+        <p:nvSpPr>
+          <p:cNvPr id="80" name="TextBox 79">
+            <a:extLst>
+              <a:ext uri="{FF2B5EF4-FFF2-40B4-BE49-F238E27FC236}">
+                <a16:creationId xmlns:a16="http://schemas.microsoft.com/office/drawing/2014/main" id="{D73C5C48-80FF-2808-8866-5E5FD79C0B78}"/>
+              </a:ext>
+            </a:extLst>
+          </p:cNvPr>
+          <p:cNvSpPr txBox="1"/>
+          <p:nvPr/>
+        </p:nvSpPr>
+        <p:spPr>
+          <a:xfrm>
+            <a:off x="6458018" y="3622941"/>
+            <a:ext cx="1078275" cy="369332"/>
+          </a:xfrm>
+          <a:prstGeom prst="rect">
+            <a:avLst/>
+          </a:prstGeom>
+          <a:noFill/>
+        </p:spPr>
+        <p:txBody>
+          <a:bodyPr wrap="square">
+            <a:spAutoFit/>
+          </a:bodyPr>
+          <a:lstStyle/>
+          <a:p>
+            <a:pPr algn="ctr"/>
+            <a:r>
+              <a:rPr lang="en-US" b="0" dirty="0">
+                <a:effectLst/>
+                <a:latin typeface="Consolas" panose="020B0609020204030204" pitchFamily="49" charset="0"/>
+              </a:rPr>
+              <a:t>other</a:t>
+            </a:r>
+            <a:endParaRPr lang="en-US" b="0" dirty="0">
+              <a:solidFill>
+                <a:srgbClr val="7030A0"/>
+              </a:solidFill>
+              <a:effectLst/>
+              <a:latin typeface="Consolas" panose="020B0609020204030204" pitchFamily="49" charset="0"/>
+            </a:endParaRPr>
+          </a:p>
+        </p:txBody>
+      </p:sp>
+      <p:sp>
+        <p:nvSpPr>
+          <p:cNvPr id="93" name="TextBox 92">
+            <a:extLst>
+              <a:ext uri="{FF2B5EF4-FFF2-40B4-BE49-F238E27FC236}">
+                <a16:creationId xmlns:a16="http://schemas.microsoft.com/office/drawing/2014/main" id="{7DBFEF77-6D0F-DEE0-B5D6-930858B04FD5}"/>
+              </a:ext>
+            </a:extLst>
+          </p:cNvPr>
+          <p:cNvSpPr txBox="1"/>
+          <p:nvPr/>
+        </p:nvSpPr>
+        <p:spPr>
+          <a:xfrm>
+            <a:off x="7635639" y="4700398"/>
+            <a:ext cx="3903370" cy="1477328"/>
+          </a:xfrm>
+          <a:prstGeom prst="rect">
+            <a:avLst/>
+          </a:prstGeom>
+          <a:noFill/>
+        </p:spPr>
+        <p:txBody>
+          <a:bodyPr wrap="square">
+            <a:spAutoFit/>
+          </a:bodyPr>
+          <a:lstStyle/>
+          <a:p>
+            <a:pPr algn="ctr"/>
+            <a:r>
+              <a:rPr lang="en-US" b="0" dirty="0">
+                <a:effectLst/>
+                <a:latin typeface="Consolas" panose="020B0609020204030204" pitchFamily="49" charset="0"/>
+              </a:rPr>
+              <a:t>!RELEASED &amp;&amp; </a:t>
+            </a:r>
+          </a:p>
+          <a:p>
+            <a:pPr algn="ctr"/>
+            <a:r>
+              <a:rPr lang="en-US" b="0" dirty="0">
+                <a:effectLst/>
+                <a:latin typeface="Consolas" panose="020B0609020204030204" pitchFamily="49" charset="0"/>
+              </a:rPr>
+              <a:t>(update_cnt == </a:t>
+            </a:r>
+            <a:r>
+              <a:rPr lang="en-US" dirty="0">
+                <a:latin typeface="Consolas" panose="020B0609020204030204" pitchFamily="49" charset="0"/>
+              </a:rPr>
+              <a:t>update</a:t>
+            </a:r>
+            <a:r>
+              <a:rPr lang="en-US" b="0" dirty="0">
+                <a:effectLst/>
+                <a:latin typeface="Consolas" panose="020B0609020204030204" pitchFamily="49" charset="0"/>
+              </a:rPr>
+              <a:t>_num_ticks) / </a:t>
+            </a:r>
+          </a:p>
+          <a:p>
+            <a:pPr algn="ctr"/>
+            <a:r>
+              <a:rPr lang="en-US" b="0" dirty="0">
+                <a:solidFill>
+                  <a:srgbClr val="7030A0"/>
+                </a:solidFill>
+                <a:effectLst/>
+                <a:latin typeface="Consolas" panose="020B0609020204030204" pitchFamily="49" charset="0"/>
+              </a:rPr>
+              <a:t>update_cnt = 0;</a:t>
+            </a:r>
+          </a:p>
+          <a:p>
+            <a:pPr algn="ctr"/>
+            <a:r>
+              <a:rPr lang="en-US" b="0" dirty="0">
+                <a:solidFill>
+                  <a:srgbClr val="7030A0"/>
+                </a:solidFill>
+                <a:effectLst/>
+                <a:latin typeface="Consolas" panose="020B0609020204030204" pitchFamily="49" charset="0"/>
+              </a:rPr>
+              <a:t>clockDisplay_performIncDec()</a:t>
+            </a:r>
+          </a:p>
+        </p:txBody>
+      </p:sp>
+      <p:sp>
+        <p:nvSpPr>
+          <p:cNvPr id="109" name="TextBox 108">
+            <a:extLst>
+              <a:ext uri="{FF2B5EF4-FFF2-40B4-BE49-F238E27FC236}">
+                <a16:creationId xmlns:a16="http://schemas.microsoft.com/office/drawing/2014/main" id="{C87C53A4-1149-BFE6-0C2B-6E16D1505F8E}"/>
+              </a:ext>
+            </a:extLst>
+          </p:cNvPr>
+          <p:cNvSpPr txBox="1"/>
+          <p:nvPr/>
+        </p:nvSpPr>
+        <p:spPr>
+          <a:xfrm>
+            <a:off x="3115078" y="3068430"/>
+            <a:ext cx="3765441" cy="369332"/>
+          </a:xfrm>
+          <a:prstGeom prst="rect">
+            <a:avLst/>
+          </a:prstGeom>
+          <a:noFill/>
+        </p:spPr>
+        <p:txBody>
+          <a:bodyPr wrap="square">
+            <a:spAutoFit/>
+          </a:bodyPr>
+          <a:lstStyle/>
+          <a:p>
+            <a:r>
+              <a:rPr lang="en-US" b="0" dirty="0">
+                <a:solidFill>
+                  <a:schemeClr val="accent1"/>
+                </a:solidFill>
+                <a:effectLst/>
+                <a:latin typeface="Consolas" panose="020B0609020204030204" pitchFamily="49" charset="0"/>
+              </a:rPr>
+              <a:t>clockDisplay_performIncDec()</a:t>
+            </a:r>
+          </a:p>
+        </p:txBody>
+      </p:sp>
+    </p:spTree>
+    <p:extLst>
+      <p:ext uri="{BB962C8B-B14F-4D97-AF65-F5344CB8AC3E}">
+        <p14:creationId xmlns:p14="http://schemas.microsoft.com/office/powerpoint/2010/main" val="4144317773"/>
       </p:ext>
     </p:extLst>
   </p:cSld>

--- a/_media_srcs/ecen330.pptx
+++ b/_media_srcs/ecen330.pptx
@@ -6,8 +6,6 @@
   </p:sldMasterIdLst>
   <p:sldIdLst>
     <p:sldId id="256" r:id="rId2"/>
-    <p:sldId id="257" r:id="rId3"/>
-    <p:sldId id="258" r:id="rId4"/>
   </p:sldIdLst>
   <p:sldSz cx="12192000" cy="6858000"/>
   <p:notesSz cx="6858000" cy="9144000"/>
@@ -261,7 +259,7 @@
           <a:p>
             <a:fld id="{7967AD1A-5EE4-40C1-AEBF-D912047BFE39}" type="datetimeFigureOut">
               <a:rPr lang="en-US" smtClean="0"/>
-              <a:t>7/18/2022</a:t>
+              <a:t>7/19/2022</a:t>
             </a:fld>
             <a:endParaRPr lang="en-US" dirty="0"/>
           </a:p>
@@ -459,7 +457,7 @@
           <a:p>
             <a:fld id="{7967AD1A-5EE4-40C1-AEBF-D912047BFE39}" type="datetimeFigureOut">
               <a:rPr lang="en-US" smtClean="0"/>
-              <a:t>7/18/2022</a:t>
+              <a:t>7/19/2022</a:t>
             </a:fld>
             <a:endParaRPr lang="en-US" dirty="0"/>
           </a:p>
@@ -667,7 +665,7 @@
           <a:p>
             <a:fld id="{7967AD1A-5EE4-40C1-AEBF-D912047BFE39}" type="datetimeFigureOut">
               <a:rPr lang="en-US" smtClean="0"/>
-              <a:t>7/18/2022</a:t>
+              <a:t>7/19/2022</a:t>
             </a:fld>
             <a:endParaRPr lang="en-US" dirty="0"/>
           </a:p>
@@ -865,7 +863,7 @@
           <a:p>
             <a:fld id="{7967AD1A-5EE4-40C1-AEBF-D912047BFE39}" type="datetimeFigureOut">
               <a:rPr lang="en-US" smtClean="0"/>
-              <a:t>7/18/2022</a:t>
+              <a:t>7/19/2022</a:t>
             </a:fld>
             <a:endParaRPr lang="en-US" dirty="0"/>
           </a:p>
@@ -1140,7 +1138,7 @@
           <a:p>
             <a:fld id="{7967AD1A-5EE4-40C1-AEBF-D912047BFE39}" type="datetimeFigureOut">
               <a:rPr lang="en-US" smtClean="0"/>
-              <a:t>7/18/2022</a:t>
+              <a:t>7/19/2022</a:t>
             </a:fld>
             <a:endParaRPr lang="en-US" dirty="0"/>
           </a:p>
@@ -1405,7 +1403,7 @@
           <a:p>
             <a:fld id="{7967AD1A-5EE4-40C1-AEBF-D912047BFE39}" type="datetimeFigureOut">
               <a:rPr lang="en-US" smtClean="0"/>
-              <a:t>7/18/2022</a:t>
+              <a:t>7/19/2022</a:t>
             </a:fld>
             <a:endParaRPr lang="en-US" dirty="0"/>
           </a:p>
@@ -1817,7 +1815,7 @@
           <a:p>
             <a:fld id="{7967AD1A-5EE4-40C1-AEBF-D912047BFE39}" type="datetimeFigureOut">
               <a:rPr lang="en-US" smtClean="0"/>
-              <a:t>7/18/2022</a:t>
+              <a:t>7/19/2022</a:t>
             </a:fld>
             <a:endParaRPr lang="en-US" dirty="0"/>
           </a:p>
@@ -1958,7 +1956,7 @@
           <a:p>
             <a:fld id="{7967AD1A-5EE4-40C1-AEBF-D912047BFE39}" type="datetimeFigureOut">
               <a:rPr lang="en-US" smtClean="0"/>
-              <a:t>7/18/2022</a:t>
+              <a:t>7/19/2022</a:t>
             </a:fld>
             <a:endParaRPr lang="en-US" dirty="0"/>
           </a:p>
@@ -2071,7 +2069,7 @@
           <a:p>
             <a:fld id="{7967AD1A-5EE4-40C1-AEBF-D912047BFE39}" type="datetimeFigureOut">
               <a:rPr lang="en-US" smtClean="0"/>
-              <a:t>7/18/2022</a:t>
+              <a:t>7/19/2022</a:t>
             </a:fld>
             <a:endParaRPr lang="en-US" dirty="0"/>
           </a:p>
@@ -2382,7 +2380,7 @@
           <a:p>
             <a:fld id="{7967AD1A-5EE4-40C1-AEBF-D912047BFE39}" type="datetimeFigureOut">
               <a:rPr lang="en-US" smtClean="0"/>
-              <a:t>7/18/2022</a:t>
+              <a:t>7/19/2022</a:t>
             </a:fld>
             <a:endParaRPr lang="en-US" dirty="0"/>
           </a:p>
@@ -2670,7 +2668,7 @@
           <a:p>
             <a:fld id="{7967AD1A-5EE4-40C1-AEBF-D912047BFE39}" type="datetimeFigureOut">
               <a:rPr lang="en-US" smtClean="0"/>
-              <a:t>7/18/2022</a:t>
+              <a:t>7/19/2022</a:t>
             </a:fld>
             <a:endParaRPr lang="en-US" dirty="0"/>
           </a:p>
@@ -2911,7 +2909,7 @@
           <a:p>
             <a:fld id="{7967AD1A-5EE4-40C1-AEBF-D912047BFE39}" type="datetimeFigureOut">
               <a:rPr lang="en-US" smtClean="0"/>
-              <a:t>7/18/2022</a:t>
+              <a:t>7/19/2022</a:t>
             </a:fld>
             <a:endParaRPr lang="en-US" dirty="0"/>
           </a:p>
@@ -4792,2177 +4790,6 @@
 </p:sld>
 </file>
 
-<file path=ppt/slides/slide2.xml><?xml version="1.0" encoding="utf-8"?>
-<p:sld xmlns:a="http://schemas.openxmlformats.org/drawingml/2006/main" xmlns:r="http://schemas.openxmlformats.org/officeDocument/2006/relationships" xmlns:p="http://schemas.openxmlformats.org/presentationml/2006/main">
-  <p:cSld>
-    <p:spTree>
-      <p:nvGrpSpPr>
-        <p:cNvPr id="1" name=""/>
-        <p:cNvGrpSpPr/>
-        <p:nvPr/>
-      </p:nvGrpSpPr>
-      <p:grpSpPr>
-        <a:xfrm>
-          <a:off x="0" y="0"/>
-          <a:ext cx="0" cy="0"/>
-          <a:chOff x="0" y="0"/>
-          <a:chExt cx="0" cy="0"/>
-        </a:xfrm>
-      </p:grpSpPr>
-      <p:sp>
-        <p:nvSpPr>
-          <p:cNvPr id="4" name="Oval 3">
-            <a:extLst>
-              <a:ext uri="{FF2B5EF4-FFF2-40B4-BE49-F238E27FC236}">
-                <a16:creationId xmlns:a16="http://schemas.microsoft.com/office/drawing/2014/main" id="{894E6713-5039-AC14-9A78-D0888D25793F}"/>
-              </a:ext>
-            </a:extLst>
-          </p:cNvPr>
-          <p:cNvSpPr/>
-          <p:nvPr/>
-        </p:nvSpPr>
-        <p:spPr>
-          <a:xfrm>
-            <a:off x="1753664" y="832207"/>
-            <a:ext cx="2060362" cy="940084"/>
-          </a:xfrm>
-          <a:prstGeom prst="ellipse">
-            <a:avLst/>
-          </a:prstGeom>
-          <a:solidFill>
-            <a:schemeClr val="bg2">
-              <a:lumMod val="90000"/>
-            </a:schemeClr>
-          </a:solidFill>
-        </p:spPr>
-        <p:style>
-          <a:lnRef idx="2">
-            <a:schemeClr val="accent1">
-              <a:shade val="50000"/>
-            </a:schemeClr>
-          </a:lnRef>
-          <a:fillRef idx="1">
-            <a:schemeClr val="accent1"/>
-          </a:fillRef>
-          <a:effectRef idx="0">
-            <a:schemeClr val="accent1"/>
-          </a:effectRef>
-          <a:fontRef idx="minor">
-            <a:schemeClr val="lt1"/>
-          </a:fontRef>
-        </p:style>
-        <p:txBody>
-          <a:bodyPr lIns="0" tIns="0" rIns="0" bIns="0" rtlCol="0" anchor="ctr"/>
-          <a:lstStyle/>
-          <a:p>
-            <a:pPr algn="ctr"/>
-            <a:r>
-              <a:rPr lang="en-US" dirty="0">
-                <a:solidFill>
-                  <a:schemeClr val="tx1"/>
-                </a:solidFill>
-              </a:rPr>
-              <a:t>WAITING</a:t>
-            </a:r>
-          </a:p>
-        </p:txBody>
-      </p:sp>
-      <p:sp>
-        <p:nvSpPr>
-          <p:cNvPr id="5" name="Oval 4">
-            <a:extLst>
-              <a:ext uri="{FF2B5EF4-FFF2-40B4-BE49-F238E27FC236}">
-                <a16:creationId xmlns:a16="http://schemas.microsoft.com/office/drawing/2014/main" id="{C9BCFA65-BE0D-A173-AC5E-F88BB47172A4}"/>
-              </a:ext>
-            </a:extLst>
-          </p:cNvPr>
-          <p:cNvSpPr/>
-          <p:nvPr/>
-        </p:nvSpPr>
-        <p:spPr>
-          <a:xfrm>
-            <a:off x="7210075" y="832207"/>
-            <a:ext cx="2060362" cy="940084"/>
-          </a:xfrm>
-          <a:prstGeom prst="ellipse">
-            <a:avLst/>
-          </a:prstGeom>
-          <a:solidFill>
-            <a:schemeClr val="bg2">
-              <a:lumMod val="90000"/>
-            </a:schemeClr>
-          </a:solidFill>
-        </p:spPr>
-        <p:style>
-          <a:lnRef idx="2">
-            <a:schemeClr val="accent1">
-              <a:shade val="50000"/>
-            </a:schemeClr>
-          </a:lnRef>
-          <a:fillRef idx="1">
-            <a:schemeClr val="accent1"/>
-          </a:fillRef>
-          <a:effectRef idx="0">
-            <a:schemeClr val="accent1"/>
-          </a:effectRef>
-          <a:fontRef idx="minor">
-            <a:schemeClr val="lt1"/>
-          </a:fontRef>
-        </p:style>
-        <p:txBody>
-          <a:bodyPr lIns="0" tIns="0" rIns="0" bIns="0" rtlCol="0" anchor="ctr"/>
-          <a:lstStyle/>
-          <a:p>
-            <a:pPr algn="ctr"/>
-            <a:r>
-              <a:rPr lang="en-US" dirty="0">
-                <a:solidFill>
-                  <a:schemeClr val="tx1"/>
-                </a:solidFill>
-              </a:rPr>
-              <a:t>ADC_SETTLING</a:t>
-            </a:r>
-          </a:p>
-        </p:txBody>
-      </p:sp>
-      <p:sp>
-        <p:nvSpPr>
-          <p:cNvPr id="6" name="Oval 5">
-            <a:extLst>
-              <a:ext uri="{FF2B5EF4-FFF2-40B4-BE49-F238E27FC236}">
-                <a16:creationId xmlns:a16="http://schemas.microsoft.com/office/drawing/2014/main" id="{209C274B-9F64-FCA2-5D7C-EC12B09A4CE6}"/>
-              </a:ext>
-            </a:extLst>
-          </p:cNvPr>
-          <p:cNvSpPr/>
-          <p:nvPr/>
-        </p:nvSpPr>
-        <p:spPr>
-          <a:xfrm>
-            <a:off x="4779975" y="2742956"/>
-            <a:ext cx="2060362" cy="940085"/>
-          </a:xfrm>
-          <a:prstGeom prst="ellipse">
-            <a:avLst/>
-          </a:prstGeom>
-          <a:solidFill>
-            <a:schemeClr val="bg2">
-              <a:lumMod val="90000"/>
-            </a:schemeClr>
-          </a:solidFill>
-        </p:spPr>
-        <p:style>
-          <a:lnRef idx="2">
-            <a:schemeClr val="accent1">
-              <a:shade val="50000"/>
-            </a:schemeClr>
-          </a:lnRef>
-          <a:fillRef idx="1">
-            <a:schemeClr val="accent1"/>
-          </a:fillRef>
-          <a:effectRef idx="0">
-            <a:schemeClr val="accent1"/>
-          </a:effectRef>
-          <a:fontRef idx="minor">
-            <a:schemeClr val="lt1"/>
-          </a:fontRef>
-        </p:style>
-        <p:txBody>
-          <a:bodyPr lIns="0" tIns="0" rIns="0" bIns="0" rtlCol="0" anchor="ctr"/>
-          <a:lstStyle/>
-          <a:p>
-            <a:pPr algn="ctr"/>
-            <a:r>
-              <a:rPr lang="en-US" dirty="0">
-                <a:solidFill>
-                  <a:schemeClr val="tx1"/>
-                </a:solidFill>
-              </a:rPr>
-              <a:t>PRESSED_ST</a:t>
-            </a:r>
-          </a:p>
-        </p:txBody>
-      </p:sp>
-      <p:cxnSp>
-        <p:nvCxnSpPr>
-          <p:cNvPr id="8" name="Straight Arrow Connector 7">
-            <a:extLst>
-              <a:ext uri="{FF2B5EF4-FFF2-40B4-BE49-F238E27FC236}">
-                <a16:creationId xmlns:a16="http://schemas.microsoft.com/office/drawing/2014/main" id="{10CB590D-D0F2-9DDA-6063-9E8245EBAB81}"/>
-              </a:ext>
-            </a:extLst>
-          </p:cNvPr>
-          <p:cNvCxnSpPr>
-            <a:stCxn id="4" idx="6"/>
-            <a:endCxn id="5" idx="2"/>
-          </p:cNvCxnSpPr>
-          <p:nvPr/>
-        </p:nvCxnSpPr>
-        <p:spPr>
-          <a:xfrm>
-            <a:off x="3814026" y="1302249"/>
-            <a:ext cx="3396049" cy="0"/>
-          </a:xfrm>
-          <a:prstGeom prst="straightConnector1">
-            <a:avLst/>
-          </a:prstGeom>
-          <a:ln w="28575">
-            <a:solidFill>
-              <a:schemeClr val="tx1"/>
-            </a:solidFill>
-            <a:tailEnd type="triangle"/>
-          </a:ln>
-        </p:spPr>
-        <p:style>
-          <a:lnRef idx="1">
-            <a:schemeClr val="accent1"/>
-          </a:lnRef>
-          <a:fillRef idx="0">
-            <a:schemeClr val="accent1"/>
-          </a:fillRef>
-          <a:effectRef idx="0">
-            <a:schemeClr val="accent1"/>
-          </a:effectRef>
-          <a:fontRef idx="minor">
-            <a:schemeClr val="tx1"/>
-          </a:fontRef>
-        </p:style>
-      </p:cxnSp>
-      <p:sp>
-        <p:nvSpPr>
-          <p:cNvPr id="12" name="TextBox 11">
-            <a:extLst>
-              <a:ext uri="{FF2B5EF4-FFF2-40B4-BE49-F238E27FC236}">
-                <a16:creationId xmlns:a16="http://schemas.microsoft.com/office/drawing/2014/main" id="{6AAA8F04-B984-F831-CC57-332FA363A3A2}"/>
-              </a:ext>
-            </a:extLst>
-          </p:cNvPr>
-          <p:cNvSpPr txBox="1"/>
-          <p:nvPr/>
-        </p:nvSpPr>
-        <p:spPr>
-          <a:xfrm>
-            <a:off x="3899677" y="1276930"/>
-            <a:ext cx="3303884" cy="584775"/>
-          </a:xfrm>
-          <a:prstGeom prst="rect">
-            <a:avLst/>
-          </a:prstGeom>
-          <a:noFill/>
-        </p:spPr>
-        <p:txBody>
-          <a:bodyPr wrap="square">
-            <a:spAutoFit/>
-          </a:bodyPr>
-          <a:lstStyle/>
-          <a:p>
-            <a:r>
-              <a:rPr lang="en-US" sz="1600" dirty="0">
-                <a:latin typeface="Consolas" panose="020B0609020204030204" pitchFamily="49" charset="0"/>
-              </a:rPr>
-              <a:t>display_isTouched() / </a:t>
-            </a:r>
-            <a:r>
-              <a:rPr lang="en-US" sz="1600" dirty="0">
-                <a:solidFill>
-                  <a:srgbClr val="7030A0"/>
-                </a:solidFill>
-                <a:latin typeface="Consolas" panose="020B0609020204030204" pitchFamily="49" charset="0"/>
-              </a:rPr>
-              <a:t>display_clearOldTouchData();</a:t>
-            </a:r>
-          </a:p>
-        </p:txBody>
-      </p:sp>
-      <p:cxnSp>
-        <p:nvCxnSpPr>
-          <p:cNvPr id="15" name="Connector: Curved 14">
-            <a:extLst>
-              <a:ext uri="{FF2B5EF4-FFF2-40B4-BE49-F238E27FC236}">
-                <a16:creationId xmlns:a16="http://schemas.microsoft.com/office/drawing/2014/main" id="{FD1C903C-84FC-7B79-C0EE-9D8CB5205150}"/>
-              </a:ext>
-            </a:extLst>
-          </p:cNvPr>
-          <p:cNvCxnSpPr>
-            <a:cxnSpLocks/>
-            <a:stCxn id="4" idx="0"/>
-            <a:endCxn id="4" idx="1"/>
-          </p:cNvCxnSpPr>
-          <p:nvPr/>
-        </p:nvCxnSpPr>
-        <p:spPr>
-          <a:xfrm rot="16200000" flipH="1" flipV="1">
-            <a:off x="2350785" y="536819"/>
-            <a:ext cx="137672" cy="728448"/>
-          </a:xfrm>
-          <a:prstGeom prst="curvedConnector3">
-            <a:avLst>
-              <a:gd name="adj1" fmla="val -166047"/>
-            </a:avLst>
-          </a:prstGeom>
-          <a:ln w="28575">
-            <a:solidFill>
-              <a:schemeClr val="tx1"/>
-            </a:solidFill>
-            <a:tailEnd type="triangle"/>
-          </a:ln>
-        </p:spPr>
-        <p:style>
-          <a:lnRef idx="1">
-            <a:schemeClr val="accent1"/>
-          </a:lnRef>
-          <a:fillRef idx="0">
-            <a:schemeClr val="accent1"/>
-          </a:fillRef>
-          <a:effectRef idx="0">
-            <a:schemeClr val="accent1"/>
-          </a:effectRef>
-          <a:fontRef idx="minor">
-            <a:schemeClr val="tx1"/>
-          </a:fontRef>
-        </p:style>
-      </p:cxnSp>
-      <p:sp>
-        <p:nvSpPr>
-          <p:cNvPr id="17" name="TextBox 16">
-            <a:extLst>
-              <a:ext uri="{FF2B5EF4-FFF2-40B4-BE49-F238E27FC236}">
-                <a16:creationId xmlns:a16="http://schemas.microsoft.com/office/drawing/2014/main" id="{9630593C-6742-0C39-7BDE-57323D53D117}"/>
-              </a:ext>
-            </a:extLst>
-          </p:cNvPr>
-          <p:cNvSpPr txBox="1"/>
-          <p:nvPr/>
-        </p:nvSpPr>
-        <p:spPr>
-          <a:xfrm>
-            <a:off x="2092328" y="339854"/>
-            <a:ext cx="2567255" cy="338554"/>
-          </a:xfrm>
-          <a:prstGeom prst="rect">
-            <a:avLst/>
-          </a:prstGeom>
-          <a:noFill/>
-        </p:spPr>
-        <p:txBody>
-          <a:bodyPr wrap="square">
-            <a:spAutoFit/>
-          </a:bodyPr>
-          <a:lstStyle/>
-          <a:p>
-            <a:r>
-              <a:rPr lang="en-US" sz="1600" dirty="0">
-                <a:latin typeface="Consolas" panose="020B0609020204030204" pitchFamily="49" charset="0"/>
-              </a:rPr>
-              <a:t>other</a:t>
-            </a:r>
-          </a:p>
-        </p:txBody>
-      </p:sp>
-      <p:cxnSp>
-        <p:nvCxnSpPr>
-          <p:cNvPr id="20" name="Connector: Curved 19">
-            <a:extLst>
-              <a:ext uri="{FF2B5EF4-FFF2-40B4-BE49-F238E27FC236}">
-                <a16:creationId xmlns:a16="http://schemas.microsoft.com/office/drawing/2014/main" id="{B35B32A6-23B2-D352-59AE-24C89B50AE06}"/>
-              </a:ext>
-            </a:extLst>
-          </p:cNvPr>
-          <p:cNvCxnSpPr>
-            <a:cxnSpLocks/>
-            <a:stCxn id="5" idx="3"/>
-            <a:endCxn id="6" idx="6"/>
-          </p:cNvCxnSpPr>
-          <p:nvPr/>
-        </p:nvCxnSpPr>
-        <p:spPr>
-          <a:xfrm rot="5400000">
-            <a:off x="6386883" y="2088074"/>
-            <a:ext cx="1578380" cy="671471"/>
-          </a:xfrm>
-          <a:prstGeom prst="curvedConnector2">
-            <a:avLst/>
-          </a:prstGeom>
-          <a:ln w="28575">
-            <a:solidFill>
-              <a:schemeClr val="tx1"/>
-            </a:solidFill>
-            <a:tailEnd type="triangle"/>
-          </a:ln>
-        </p:spPr>
-        <p:style>
-          <a:lnRef idx="1">
-            <a:schemeClr val="accent1"/>
-          </a:lnRef>
-          <a:fillRef idx="0">
-            <a:schemeClr val="accent1"/>
-          </a:fillRef>
-          <a:effectRef idx="0">
-            <a:schemeClr val="accent1"/>
-          </a:effectRef>
-          <a:fontRef idx="minor">
-            <a:schemeClr val="tx1"/>
-          </a:fontRef>
-        </p:style>
-      </p:cxnSp>
-      <p:cxnSp>
-        <p:nvCxnSpPr>
-          <p:cNvPr id="25" name="Connector: Curved 24">
-            <a:extLst>
-              <a:ext uri="{FF2B5EF4-FFF2-40B4-BE49-F238E27FC236}">
-                <a16:creationId xmlns:a16="http://schemas.microsoft.com/office/drawing/2014/main" id="{EB793400-B0F7-64FA-D91C-A1D24F76845D}"/>
-              </a:ext>
-            </a:extLst>
-          </p:cNvPr>
-          <p:cNvCxnSpPr>
-            <a:cxnSpLocks/>
-            <a:stCxn id="5" idx="1"/>
-            <a:endCxn id="4" idx="7"/>
-          </p:cNvCxnSpPr>
-          <p:nvPr/>
-        </p:nvCxnSpPr>
-        <p:spPr>
-          <a:xfrm rot="16200000" flipV="1">
-            <a:off x="5512051" y="-1029879"/>
-            <a:ext cx="12700" cy="3999515"/>
-          </a:xfrm>
-          <a:prstGeom prst="curvedConnector3">
-            <a:avLst>
-              <a:gd name="adj1" fmla="val 2884031"/>
-            </a:avLst>
-          </a:prstGeom>
-          <a:ln w="28575">
-            <a:solidFill>
-              <a:schemeClr val="tx1"/>
-            </a:solidFill>
-            <a:tailEnd type="triangle"/>
-          </a:ln>
-        </p:spPr>
-        <p:style>
-          <a:lnRef idx="1">
-            <a:schemeClr val="accent1"/>
-          </a:lnRef>
-          <a:fillRef idx="0">
-            <a:schemeClr val="accent1"/>
-          </a:fillRef>
-          <a:effectRef idx="0">
-            <a:schemeClr val="accent1"/>
-          </a:effectRef>
-          <a:fontRef idx="minor">
-            <a:schemeClr val="tx1"/>
-          </a:fontRef>
-        </p:style>
-      </p:cxnSp>
-      <p:sp>
-        <p:nvSpPr>
-          <p:cNvPr id="36" name="TextBox 35">
-            <a:extLst>
-              <a:ext uri="{FF2B5EF4-FFF2-40B4-BE49-F238E27FC236}">
-                <a16:creationId xmlns:a16="http://schemas.microsoft.com/office/drawing/2014/main" id="{4E08ABA3-4830-E251-22F4-FB14BE7C2A8C}"/>
-              </a:ext>
-            </a:extLst>
-          </p:cNvPr>
-          <p:cNvSpPr txBox="1"/>
-          <p:nvPr/>
-        </p:nvSpPr>
-        <p:spPr>
-          <a:xfrm>
-            <a:off x="4913440" y="284304"/>
-            <a:ext cx="3303884" cy="338554"/>
-          </a:xfrm>
-          <a:prstGeom prst="rect">
-            <a:avLst/>
-          </a:prstGeom>
-          <a:noFill/>
-        </p:spPr>
-        <p:txBody>
-          <a:bodyPr wrap="square">
-            <a:spAutoFit/>
-          </a:bodyPr>
-          <a:lstStyle/>
-          <a:p>
-            <a:r>
-              <a:rPr lang="en-US" sz="1600" dirty="0">
-                <a:latin typeface="Consolas" panose="020B0609020204030204" pitchFamily="49" charset="0"/>
-              </a:rPr>
-              <a:t>!display_isTouched()</a:t>
-            </a:r>
-            <a:endParaRPr lang="en-US" sz="1600" dirty="0">
-              <a:solidFill>
-                <a:srgbClr val="7030A0"/>
-              </a:solidFill>
-              <a:latin typeface="Consolas" panose="020B0609020204030204" pitchFamily="49" charset="0"/>
-            </a:endParaRPr>
-          </a:p>
-        </p:txBody>
-      </p:sp>
-      <p:sp>
-        <p:nvSpPr>
-          <p:cNvPr id="37" name="TextBox 36">
-            <a:extLst>
-              <a:ext uri="{FF2B5EF4-FFF2-40B4-BE49-F238E27FC236}">
-                <a16:creationId xmlns:a16="http://schemas.microsoft.com/office/drawing/2014/main" id="{51151C77-81D4-56F9-D761-D171F2F63A35}"/>
-              </a:ext>
-            </a:extLst>
-          </p:cNvPr>
-          <p:cNvSpPr txBox="1"/>
-          <p:nvPr/>
-        </p:nvSpPr>
-        <p:spPr>
-          <a:xfrm>
-            <a:off x="7343701" y="2598003"/>
-            <a:ext cx="3734905" cy="830997"/>
-          </a:xfrm>
-          <a:prstGeom prst="rect">
-            <a:avLst/>
-          </a:prstGeom>
-          <a:noFill/>
-        </p:spPr>
-        <p:txBody>
-          <a:bodyPr wrap="square">
-            <a:spAutoFit/>
-          </a:bodyPr>
-          <a:lstStyle/>
-          <a:p>
-            <a:r>
-              <a:rPr lang="en-US" sz="1600" dirty="0">
-                <a:latin typeface="Consolas" panose="020B0609020204030204" pitchFamily="49" charset="0"/>
-              </a:rPr>
-              <a:t>display_isTouched() &amp;&amp; adc_timer == adc_settle_ticks / </a:t>
-            </a:r>
-            <a:r>
-              <a:rPr lang="en-US" sz="1600" dirty="0">
-                <a:solidFill>
-                  <a:srgbClr val="7030A0"/>
-                </a:solidFill>
-                <a:latin typeface="Consolas" panose="020B0609020204030204" pitchFamily="49" charset="0"/>
-              </a:rPr>
-              <a:t>display_getTouchedPoint();</a:t>
-            </a:r>
-          </a:p>
-        </p:txBody>
-      </p:sp>
-      <p:cxnSp>
-        <p:nvCxnSpPr>
-          <p:cNvPr id="40" name="Connector: Curved 39">
-            <a:extLst>
-              <a:ext uri="{FF2B5EF4-FFF2-40B4-BE49-F238E27FC236}">
-                <a16:creationId xmlns:a16="http://schemas.microsoft.com/office/drawing/2014/main" id="{1E1BE553-6B50-9B6B-D6AA-541B4F8C89D4}"/>
-              </a:ext>
-            </a:extLst>
-          </p:cNvPr>
-          <p:cNvCxnSpPr>
-            <a:cxnSpLocks/>
-            <a:stCxn id="6" idx="2"/>
-            <a:endCxn id="4" idx="5"/>
-          </p:cNvCxnSpPr>
-          <p:nvPr/>
-        </p:nvCxnSpPr>
-        <p:spPr>
-          <a:xfrm rot="10800000">
-            <a:off x="3512293" y="1634619"/>
-            <a:ext cx="1267682" cy="1578380"/>
-          </a:xfrm>
-          <a:prstGeom prst="curvedConnector2">
-            <a:avLst/>
-          </a:prstGeom>
-          <a:ln w="28575">
-            <a:solidFill>
-              <a:schemeClr val="tx1"/>
-            </a:solidFill>
-            <a:tailEnd type="triangle"/>
-          </a:ln>
-        </p:spPr>
-        <p:style>
-          <a:lnRef idx="1">
-            <a:schemeClr val="accent1"/>
-          </a:lnRef>
-          <a:fillRef idx="0">
-            <a:schemeClr val="accent1"/>
-          </a:fillRef>
-          <a:effectRef idx="0">
-            <a:schemeClr val="accent1"/>
-          </a:effectRef>
-          <a:fontRef idx="minor">
-            <a:schemeClr val="tx1"/>
-          </a:fontRef>
-        </p:style>
-      </p:cxnSp>
-      <p:sp>
-        <p:nvSpPr>
-          <p:cNvPr id="41" name="TextBox 40">
-            <a:extLst>
-              <a:ext uri="{FF2B5EF4-FFF2-40B4-BE49-F238E27FC236}">
-                <a16:creationId xmlns:a16="http://schemas.microsoft.com/office/drawing/2014/main" id="{7EF7254D-E545-B83E-34DE-EB390034B865}"/>
-              </a:ext>
-            </a:extLst>
-          </p:cNvPr>
-          <p:cNvSpPr txBox="1"/>
-          <p:nvPr/>
-        </p:nvSpPr>
-        <p:spPr>
-          <a:xfrm>
-            <a:off x="1568526" y="2698196"/>
-            <a:ext cx="3303884" cy="338554"/>
-          </a:xfrm>
-          <a:prstGeom prst="rect">
-            <a:avLst/>
-          </a:prstGeom>
-          <a:noFill/>
-        </p:spPr>
-        <p:txBody>
-          <a:bodyPr wrap="square">
-            <a:spAutoFit/>
-          </a:bodyPr>
-          <a:lstStyle/>
-          <a:p>
-            <a:r>
-              <a:rPr lang="en-US" sz="1600" dirty="0">
-                <a:latin typeface="Consolas" panose="020B0609020204030204" pitchFamily="49" charset="0"/>
-              </a:rPr>
-              <a:t>!display_isTouched()</a:t>
-            </a:r>
-            <a:endParaRPr lang="en-US" sz="1600" dirty="0">
-              <a:solidFill>
-                <a:srgbClr val="7030A0"/>
-              </a:solidFill>
-              <a:latin typeface="Consolas" panose="020B0609020204030204" pitchFamily="49" charset="0"/>
-            </a:endParaRPr>
-          </a:p>
-        </p:txBody>
-      </p:sp>
-      <p:cxnSp>
-        <p:nvCxnSpPr>
-          <p:cNvPr id="44" name="Connector: Curved 43">
-            <a:extLst>
-              <a:ext uri="{FF2B5EF4-FFF2-40B4-BE49-F238E27FC236}">
-                <a16:creationId xmlns:a16="http://schemas.microsoft.com/office/drawing/2014/main" id="{B1EA1085-19D1-90E4-75DB-4B66062518D3}"/>
-              </a:ext>
-            </a:extLst>
-          </p:cNvPr>
-          <p:cNvCxnSpPr>
-            <a:cxnSpLocks/>
-            <a:stCxn id="5" idx="6"/>
-            <a:endCxn id="5" idx="7"/>
-          </p:cNvCxnSpPr>
-          <p:nvPr/>
-        </p:nvCxnSpPr>
-        <p:spPr>
-          <a:xfrm flipH="1" flipV="1">
-            <a:off x="8968704" y="969879"/>
-            <a:ext cx="301733" cy="332370"/>
-          </a:xfrm>
-          <a:prstGeom prst="curvedConnector4">
-            <a:avLst>
-              <a:gd name="adj1" fmla="val -75762"/>
-              <a:gd name="adj2" fmla="val 210200"/>
-            </a:avLst>
-          </a:prstGeom>
-          <a:ln w="28575">
-            <a:solidFill>
-              <a:schemeClr val="tx1"/>
-            </a:solidFill>
-            <a:tailEnd type="triangle"/>
-          </a:ln>
-        </p:spPr>
-        <p:style>
-          <a:lnRef idx="1">
-            <a:schemeClr val="accent1"/>
-          </a:lnRef>
-          <a:fillRef idx="0">
-            <a:schemeClr val="accent1"/>
-          </a:fillRef>
-          <a:effectRef idx="0">
-            <a:schemeClr val="accent1"/>
-          </a:effectRef>
-          <a:fontRef idx="minor">
-            <a:schemeClr val="tx1"/>
-          </a:fontRef>
-        </p:style>
-      </p:cxnSp>
-      <p:sp>
-        <p:nvSpPr>
-          <p:cNvPr id="47" name="TextBox 46">
-            <a:extLst>
-              <a:ext uri="{FF2B5EF4-FFF2-40B4-BE49-F238E27FC236}">
-                <a16:creationId xmlns:a16="http://schemas.microsoft.com/office/drawing/2014/main" id="{DE82337F-565C-8571-DD71-9694BCFD7D44}"/>
-              </a:ext>
-            </a:extLst>
-          </p:cNvPr>
-          <p:cNvSpPr txBox="1"/>
-          <p:nvPr/>
-        </p:nvSpPr>
-        <p:spPr>
-          <a:xfrm>
-            <a:off x="8877581" y="291663"/>
-            <a:ext cx="2567255" cy="338554"/>
-          </a:xfrm>
-          <a:prstGeom prst="rect">
-            <a:avLst/>
-          </a:prstGeom>
-          <a:noFill/>
-        </p:spPr>
-        <p:txBody>
-          <a:bodyPr wrap="square">
-            <a:spAutoFit/>
-          </a:bodyPr>
-          <a:lstStyle/>
-          <a:p>
-            <a:r>
-              <a:rPr lang="en-US" sz="1600" dirty="0">
-                <a:latin typeface="Consolas" panose="020B0609020204030204" pitchFamily="49" charset="0"/>
-              </a:rPr>
-              <a:t>other</a:t>
-            </a:r>
-          </a:p>
-        </p:txBody>
-      </p:sp>
-      <p:cxnSp>
-        <p:nvCxnSpPr>
-          <p:cNvPr id="48" name="Connector: Curved 47">
-            <a:extLst>
-              <a:ext uri="{FF2B5EF4-FFF2-40B4-BE49-F238E27FC236}">
-                <a16:creationId xmlns:a16="http://schemas.microsoft.com/office/drawing/2014/main" id="{833A78C7-B948-4A78-3BC8-D90C08229780}"/>
-              </a:ext>
-            </a:extLst>
-          </p:cNvPr>
-          <p:cNvCxnSpPr>
-            <a:cxnSpLocks/>
-            <a:stCxn id="6" idx="1"/>
-            <a:endCxn id="6" idx="0"/>
-          </p:cNvCxnSpPr>
-          <p:nvPr/>
-        </p:nvCxnSpPr>
-        <p:spPr>
-          <a:xfrm rot="5400000" flipH="1" flipV="1">
-            <a:off x="5377096" y="2447568"/>
-            <a:ext cx="137672" cy="728448"/>
-          </a:xfrm>
-          <a:prstGeom prst="curvedConnector3">
-            <a:avLst>
-              <a:gd name="adj1" fmla="val 266047"/>
-            </a:avLst>
-          </a:prstGeom>
-          <a:ln w="28575">
-            <a:solidFill>
-              <a:schemeClr val="tx1"/>
-            </a:solidFill>
-            <a:tailEnd type="triangle"/>
-          </a:ln>
-        </p:spPr>
-        <p:style>
-          <a:lnRef idx="1">
-            <a:schemeClr val="accent1"/>
-          </a:lnRef>
-          <a:fillRef idx="0">
-            <a:schemeClr val="accent1"/>
-          </a:fillRef>
-          <a:effectRef idx="0">
-            <a:schemeClr val="accent1"/>
-          </a:effectRef>
-          <a:fontRef idx="minor">
-            <a:schemeClr val="tx1"/>
-          </a:fontRef>
-        </p:style>
-      </p:cxnSp>
-      <p:sp>
-        <p:nvSpPr>
-          <p:cNvPr id="51" name="TextBox 50">
-            <a:extLst>
-              <a:ext uri="{FF2B5EF4-FFF2-40B4-BE49-F238E27FC236}">
-                <a16:creationId xmlns:a16="http://schemas.microsoft.com/office/drawing/2014/main" id="{5E6B8DD0-D6A5-A300-5F59-544EA20BA09B}"/>
-              </a:ext>
-            </a:extLst>
-          </p:cNvPr>
-          <p:cNvSpPr txBox="1"/>
-          <p:nvPr/>
-        </p:nvSpPr>
-        <p:spPr>
-          <a:xfrm>
-            <a:off x="4520087" y="2364598"/>
-            <a:ext cx="786705" cy="338554"/>
-          </a:xfrm>
-          <a:prstGeom prst="rect">
-            <a:avLst/>
-          </a:prstGeom>
-          <a:noFill/>
-        </p:spPr>
-        <p:txBody>
-          <a:bodyPr wrap="square">
-            <a:spAutoFit/>
-          </a:bodyPr>
-          <a:lstStyle/>
-          <a:p>
-            <a:r>
-              <a:rPr lang="en-US" sz="1600" dirty="0">
-                <a:latin typeface="Consolas" panose="020B0609020204030204" pitchFamily="49" charset="0"/>
-              </a:rPr>
-              <a:t>other</a:t>
-            </a:r>
-          </a:p>
-        </p:txBody>
-      </p:sp>
-      <p:sp>
-        <p:nvSpPr>
-          <p:cNvPr id="53" name="TextBox 52">
-            <a:extLst>
-              <a:ext uri="{FF2B5EF4-FFF2-40B4-BE49-F238E27FC236}">
-                <a16:creationId xmlns:a16="http://schemas.microsoft.com/office/drawing/2014/main" id="{F387127B-FBAB-5549-F6B7-F94759667529}"/>
-              </a:ext>
-            </a:extLst>
-          </p:cNvPr>
-          <p:cNvSpPr txBox="1"/>
-          <p:nvPr/>
-        </p:nvSpPr>
-        <p:spPr>
-          <a:xfrm>
-            <a:off x="1895099" y="1759129"/>
-            <a:ext cx="1672191" cy="338554"/>
-          </a:xfrm>
-          <a:prstGeom prst="rect">
-            <a:avLst/>
-          </a:prstGeom>
-          <a:noFill/>
-        </p:spPr>
-        <p:txBody>
-          <a:bodyPr wrap="square">
-            <a:spAutoFit/>
-          </a:bodyPr>
-          <a:lstStyle/>
-          <a:p>
-            <a:r>
-              <a:rPr lang="en-US" sz="1600" dirty="0">
-                <a:solidFill>
-                  <a:schemeClr val="accent1"/>
-                </a:solidFill>
-                <a:latin typeface="Consolas" panose="020B0609020204030204" pitchFamily="49" charset="0"/>
-              </a:rPr>
-              <a:t>adc_timer = 0</a:t>
-            </a:r>
-          </a:p>
-        </p:txBody>
-      </p:sp>
-      <p:sp>
-        <p:nvSpPr>
-          <p:cNvPr id="54" name="TextBox 53">
-            <a:extLst>
-              <a:ext uri="{FF2B5EF4-FFF2-40B4-BE49-F238E27FC236}">
-                <a16:creationId xmlns:a16="http://schemas.microsoft.com/office/drawing/2014/main" id="{CBCD19A1-2970-4CD6-897E-B7E6737CAA15}"/>
-              </a:ext>
-            </a:extLst>
-          </p:cNvPr>
-          <p:cNvSpPr txBox="1"/>
-          <p:nvPr/>
-        </p:nvSpPr>
-        <p:spPr>
-          <a:xfrm>
-            <a:off x="7660401" y="1720492"/>
-            <a:ext cx="3303884" cy="338554"/>
-          </a:xfrm>
-          <a:prstGeom prst="rect">
-            <a:avLst/>
-          </a:prstGeom>
-          <a:noFill/>
-        </p:spPr>
-        <p:txBody>
-          <a:bodyPr wrap="square">
-            <a:spAutoFit/>
-          </a:bodyPr>
-          <a:lstStyle/>
-          <a:p>
-            <a:r>
-              <a:rPr lang="en-US" sz="1600" dirty="0">
-                <a:solidFill>
-                  <a:schemeClr val="accent1"/>
-                </a:solidFill>
-                <a:latin typeface="Consolas" panose="020B0609020204030204" pitchFamily="49" charset="0"/>
-              </a:rPr>
-              <a:t>adc_timer++</a:t>
-            </a:r>
-          </a:p>
-        </p:txBody>
-      </p:sp>
-      <p:sp>
-        <p:nvSpPr>
-          <p:cNvPr id="61" name="TextBox 60">
-            <a:extLst>
-              <a:ext uri="{FF2B5EF4-FFF2-40B4-BE49-F238E27FC236}">
-                <a16:creationId xmlns:a16="http://schemas.microsoft.com/office/drawing/2014/main" id="{AB188912-5B93-E8F0-F14C-3EE3C1263F4F}"/>
-              </a:ext>
-            </a:extLst>
-          </p:cNvPr>
-          <p:cNvSpPr txBox="1"/>
-          <p:nvPr/>
-        </p:nvSpPr>
-        <p:spPr>
-          <a:xfrm>
-            <a:off x="4872410" y="3668861"/>
-            <a:ext cx="2060362" cy="338554"/>
-          </a:xfrm>
-          <a:prstGeom prst="rect">
-            <a:avLst/>
-          </a:prstGeom>
-          <a:noFill/>
-        </p:spPr>
-        <p:txBody>
-          <a:bodyPr wrap="square">
-            <a:spAutoFit/>
-          </a:bodyPr>
-          <a:lstStyle/>
-          <a:p>
-            <a:r>
-              <a:rPr lang="en-US" sz="1600" dirty="0">
-                <a:solidFill>
-                  <a:schemeClr val="accent1"/>
-                </a:solidFill>
-                <a:latin typeface="Consolas" panose="020B0609020204030204" pitchFamily="49" charset="0"/>
-              </a:rPr>
-              <a:t>pressed = true</a:t>
-            </a:r>
-          </a:p>
-        </p:txBody>
-      </p:sp>
-    </p:spTree>
-    <p:extLst>
-      <p:ext uri="{BB962C8B-B14F-4D97-AF65-F5344CB8AC3E}">
-        <p14:creationId xmlns:p14="http://schemas.microsoft.com/office/powerpoint/2010/main" val="2710839349"/>
-      </p:ext>
-    </p:extLst>
-  </p:cSld>
-  <p:clrMapOvr>
-    <a:masterClrMapping/>
-  </p:clrMapOvr>
-</p:sld>
-</file>
-
-<file path=ppt/slides/slide3.xml><?xml version="1.0" encoding="utf-8"?>
-<p:sld xmlns:a="http://schemas.openxmlformats.org/drawingml/2006/main" xmlns:r="http://schemas.openxmlformats.org/officeDocument/2006/relationships" xmlns:p="http://schemas.openxmlformats.org/presentationml/2006/main">
-  <p:cSld>
-    <p:spTree>
-      <p:nvGrpSpPr>
-        <p:cNvPr id="1" name=""/>
-        <p:cNvGrpSpPr/>
-        <p:nvPr/>
-      </p:nvGrpSpPr>
-      <p:grpSpPr>
-        <a:xfrm>
-          <a:off x="0" y="0"/>
-          <a:ext cx="0" cy="0"/>
-          <a:chOff x="0" y="0"/>
-          <a:chExt cx="0" cy="0"/>
-        </a:xfrm>
-      </p:grpSpPr>
-      <p:sp>
-        <p:nvSpPr>
-          <p:cNvPr id="4" name="Oval 3">
-            <a:extLst>
-              <a:ext uri="{FF2B5EF4-FFF2-40B4-BE49-F238E27FC236}">
-                <a16:creationId xmlns:a16="http://schemas.microsoft.com/office/drawing/2014/main" id="{E26356A0-05AD-74C7-4CAE-362559989514}"/>
-              </a:ext>
-            </a:extLst>
-          </p:cNvPr>
-          <p:cNvSpPr/>
-          <p:nvPr/>
-        </p:nvSpPr>
-        <p:spPr>
-          <a:xfrm>
-            <a:off x="1753664" y="832207"/>
-            <a:ext cx="2060362" cy="940084"/>
-          </a:xfrm>
-          <a:prstGeom prst="ellipse">
-            <a:avLst/>
-          </a:prstGeom>
-          <a:solidFill>
-            <a:schemeClr val="bg2">
-              <a:lumMod val="90000"/>
-            </a:schemeClr>
-          </a:solidFill>
-        </p:spPr>
-        <p:style>
-          <a:lnRef idx="2">
-            <a:schemeClr val="accent1">
-              <a:shade val="50000"/>
-            </a:schemeClr>
-          </a:lnRef>
-          <a:fillRef idx="1">
-            <a:schemeClr val="accent1"/>
-          </a:fillRef>
-          <a:effectRef idx="0">
-            <a:schemeClr val="accent1"/>
-          </a:effectRef>
-          <a:fontRef idx="minor">
-            <a:schemeClr val="lt1"/>
-          </a:fontRef>
-        </p:style>
-        <p:txBody>
-          <a:bodyPr lIns="0" tIns="0" rIns="0" bIns="0" rtlCol="0" anchor="ctr"/>
-          <a:lstStyle/>
-          <a:p>
-            <a:pPr algn="ctr"/>
-            <a:r>
-              <a:rPr lang="en-US" dirty="0">
-                <a:solidFill>
-                  <a:schemeClr val="tx1"/>
-                </a:solidFill>
-              </a:rPr>
-              <a:t>WAITING</a:t>
-            </a:r>
-          </a:p>
-        </p:txBody>
-      </p:sp>
-      <p:sp>
-        <p:nvSpPr>
-          <p:cNvPr id="5" name="Oval 4">
-            <a:extLst>
-              <a:ext uri="{FF2B5EF4-FFF2-40B4-BE49-F238E27FC236}">
-                <a16:creationId xmlns:a16="http://schemas.microsoft.com/office/drawing/2014/main" id="{5102081D-4483-CA66-78ED-4BA277875AB5}"/>
-              </a:ext>
-            </a:extLst>
-          </p:cNvPr>
-          <p:cNvSpPr/>
-          <p:nvPr/>
-        </p:nvSpPr>
-        <p:spPr>
-          <a:xfrm>
-            <a:off x="5934136" y="979436"/>
-            <a:ext cx="2060362" cy="940084"/>
-          </a:xfrm>
-          <a:prstGeom prst="ellipse">
-            <a:avLst/>
-          </a:prstGeom>
-          <a:solidFill>
-            <a:schemeClr val="bg2">
-              <a:lumMod val="90000"/>
-            </a:schemeClr>
-          </a:solidFill>
-        </p:spPr>
-        <p:style>
-          <a:lnRef idx="2">
-            <a:schemeClr val="accent1">
-              <a:shade val="50000"/>
-            </a:schemeClr>
-          </a:lnRef>
-          <a:fillRef idx="1">
-            <a:schemeClr val="accent1"/>
-          </a:fillRef>
-          <a:effectRef idx="0">
-            <a:schemeClr val="accent1"/>
-          </a:effectRef>
-          <a:fontRef idx="minor">
-            <a:schemeClr val="lt1"/>
-          </a:fontRef>
-        </p:style>
-        <p:txBody>
-          <a:bodyPr lIns="0" tIns="0" rIns="0" bIns="0" rtlCol="0" anchor="ctr"/>
-          <a:lstStyle/>
-          <a:p>
-            <a:pPr algn="ctr"/>
-            <a:r>
-              <a:rPr lang="en-US" dirty="0">
-                <a:solidFill>
-                  <a:schemeClr val="tx1"/>
-                </a:solidFill>
-              </a:rPr>
-              <a:t>LONG_PRESS_DELAY</a:t>
-            </a:r>
-          </a:p>
-        </p:txBody>
-      </p:sp>
-      <p:sp>
-        <p:nvSpPr>
-          <p:cNvPr id="7" name="Oval 6">
-            <a:extLst>
-              <a:ext uri="{FF2B5EF4-FFF2-40B4-BE49-F238E27FC236}">
-                <a16:creationId xmlns:a16="http://schemas.microsoft.com/office/drawing/2014/main" id="{0B977EF4-DBAC-0373-499B-F62282B65180}"/>
-              </a:ext>
-            </a:extLst>
-          </p:cNvPr>
-          <p:cNvSpPr/>
-          <p:nvPr/>
-        </p:nvSpPr>
-        <p:spPr>
-          <a:xfrm>
-            <a:off x="3927149" y="2149839"/>
-            <a:ext cx="2060362" cy="940084"/>
-          </a:xfrm>
-          <a:prstGeom prst="ellipse">
-            <a:avLst/>
-          </a:prstGeom>
-          <a:solidFill>
-            <a:schemeClr val="bg2">
-              <a:lumMod val="90000"/>
-            </a:schemeClr>
-          </a:solidFill>
-        </p:spPr>
-        <p:style>
-          <a:lnRef idx="2">
-            <a:schemeClr val="accent1">
-              <a:shade val="50000"/>
-            </a:schemeClr>
-          </a:lnRef>
-          <a:fillRef idx="1">
-            <a:schemeClr val="accent1"/>
-          </a:fillRef>
-          <a:effectRef idx="0">
-            <a:schemeClr val="accent1"/>
-          </a:effectRef>
-          <a:fontRef idx="minor">
-            <a:schemeClr val="lt1"/>
-          </a:fontRef>
-        </p:style>
-        <p:txBody>
-          <a:bodyPr lIns="0" tIns="0" rIns="0" bIns="0" rtlCol="0" anchor="ctr"/>
-          <a:lstStyle/>
-          <a:p>
-            <a:pPr algn="ctr"/>
-            <a:r>
-              <a:rPr lang="en-US" dirty="0">
-                <a:solidFill>
-                  <a:schemeClr val="tx1"/>
-                </a:solidFill>
-              </a:rPr>
-              <a:t>INC_DEC</a:t>
-            </a:r>
-          </a:p>
-        </p:txBody>
-      </p:sp>
-      <p:cxnSp>
-        <p:nvCxnSpPr>
-          <p:cNvPr id="8" name="Connector: Curved 7">
-            <a:extLst>
-              <a:ext uri="{FF2B5EF4-FFF2-40B4-BE49-F238E27FC236}">
-                <a16:creationId xmlns:a16="http://schemas.microsoft.com/office/drawing/2014/main" id="{516D6C98-DA3F-5F04-D09E-97E5ABA0E7D6}"/>
-              </a:ext>
-            </a:extLst>
-          </p:cNvPr>
-          <p:cNvCxnSpPr>
-            <a:cxnSpLocks/>
-            <a:stCxn id="4" idx="7"/>
-            <a:endCxn id="5" idx="1"/>
-          </p:cNvCxnSpPr>
-          <p:nvPr/>
-        </p:nvCxnSpPr>
-        <p:spPr>
-          <a:xfrm rot="16200000" flipH="1">
-            <a:off x="4800466" y="-318295"/>
-            <a:ext cx="147229" cy="2723576"/>
-          </a:xfrm>
-          <a:prstGeom prst="curvedConnector3">
-            <a:avLst>
-              <a:gd name="adj1" fmla="val -248777"/>
-            </a:avLst>
-          </a:prstGeom>
-          <a:ln w="28575">
-            <a:solidFill>
-              <a:schemeClr val="tx1"/>
-            </a:solidFill>
-            <a:tailEnd type="triangle"/>
-          </a:ln>
-        </p:spPr>
-        <p:style>
-          <a:lnRef idx="1">
-            <a:schemeClr val="accent1"/>
-          </a:lnRef>
-          <a:fillRef idx="0">
-            <a:schemeClr val="accent1"/>
-          </a:fillRef>
-          <a:effectRef idx="0">
-            <a:schemeClr val="accent1"/>
-          </a:effectRef>
-          <a:fontRef idx="minor">
-            <a:schemeClr val="tx1"/>
-          </a:fontRef>
-        </p:style>
-      </p:cxnSp>
-      <p:sp>
-        <p:nvSpPr>
-          <p:cNvPr id="12" name="TextBox 11">
-            <a:extLst>
-              <a:ext uri="{FF2B5EF4-FFF2-40B4-BE49-F238E27FC236}">
-                <a16:creationId xmlns:a16="http://schemas.microsoft.com/office/drawing/2014/main" id="{EF91858F-BD3B-FDD2-7FB2-1114BAB3937A}"/>
-              </a:ext>
-            </a:extLst>
-          </p:cNvPr>
-          <p:cNvSpPr txBox="1"/>
-          <p:nvPr/>
-        </p:nvSpPr>
-        <p:spPr>
-          <a:xfrm>
-            <a:off x="3777551" y="-34566"/>
-            <a:ext cx="2250555" cy="646331"/>
-          </a:xfrm>
-          <a:prstGeom prst="rect">
-            <a:avLst/>
-          </a:prstGeom>
-          <a:noFill/>
-        </p:spPr>
-        <p:txBody>
-          <a:bodyPr wrap="square">
-            <a:spAutoFit/>
-          </a:bodyPr>
-          <a:lstStyle/>
-          <a:p>
-            <a:pPr algn="ctr"/>
-            <a:r>
-              <a:rPr lang="en-US" b="0" dirty="0">
-                <a:effectLst/>
-                <a:latin typeface="Consolas" panose="020B0609020204030204" pitchFamily="49" charset="0"/>
-              </a:rPr>
-              <a:t>PRESSED /</a:t>
-            </a:r>
-          </a:p>
-          <a:p>
-            <a:pPr algn="ctr"/>
-            <a:r>
-              <a:rPr lang="en-US" dirty="0">
-                <a:solidFill>
-                  <a:srgbClr val="7030A0"/>
-                </a:solidFill>
-                <a:latin typeface="Consolas" panose="020B0609020204030204" pitchFamily="49" charset="0"/>
-              </a:rPr>
-              <a:t>delay_cnt = 0</a:t>
-            </a:r>
-            <a:endParaRPr lang="en-US" b="0" dirty="0">
-              <a:solidFill>
-                <a:srgbClr val="7030A0"/>
-              </a:solidFill>
-              <a:effectLst/>
-              <a:latin typeface="Consolas" panose="020B0609020204030204" pitchFamily="49" charset="0"/>
-            </a:endParaRPr>
-          </a:p>
-        </p:txBody>
-      </p:sp>
-      <p:cxnSp>
-        <p:nvCxnSpPr>
-          <p:cNvPr id="13" name="Connector: Curved 12">
-            <a:extLst>
-              <a:ext uri="{FF2B5EF4-FFF2-40B4-BE49-F238E27FC236}">
-                <a16:creationId xmlns:a16="http://schemas.microsoft.com/office/drawing/2014/main" id="{67AD0668-45DB-6C9F-A342-2A9B4969A816}"/>
-              </a:ext>
-            </a:extLst>
-          </p:cNvPr>
-          <p:cNvCxnSpPr>
-            <a:cxnSpLocks/>
-            <a:stCxn id="4" idx="6"/>
-            <a:endCxn id="7" idx="0"/>
-          </p:cNvCxnSpPr>
-          <p:nvPr/>
-        </p:nvCxnSpPr>
-        <p:spPr>
-          <a:xfrm>
-            <a:off x="3814026" y="1302249"/>
-            <a:ext cx="1143304" cy="847590"/>
-          </a:xfrm>
-          <a:prstGeom prst="curvedConnector2">
-            <a:avLst/>
-          </a:prstGeom>
-          <a:ln w="28575">
-            <a:solidFill>
-              <a:schemeClr val="tx1"/>
-            </a:solidFill>
-            <a:tailEnd type="triangle"/>
-          </a:ln>
-        </p:spPr>
-        <p:style>
-          <a:lnRef idx="1">
-            <a:schemeClr val="accent1"/>
-          </a:lnRef>
-          <a:fillRef idx="0">
-            <a:schemeClr val="accent1"/>
-          </a:fillRef>
-          <a:effectRef idx="0">
-            <a:schemeClr val="accent1"/>
-          </a:effectRef>
-          <a:fontRef idx="minor">
-            <a:schemeClr val="tx1"/>
-          </a:fontRef>
-        </p:style>
-      </p:cxnSp>
-      <p:sp>
-        <p:nvSpPr>
-          <p:cNvPr id="17" name="TextBox 16">
-            <a:extLst>
-              <a:ext uri="{FF2B5EF4-FFF2-40B4-BE49-F238E27FC236}">
-                <a16:creationId xmlns:a16="http://schemas.microsoft.com/office/drawing/2014/main" id="{1226A190-72B2-D015-0C1D-2208BEDA3953}"/>
-              </a:ext>
-            </a:extLst>
-          </p:cNvPr>
-          <p:cNvSpPr txBox="1"/>
-          <p:nvPr/>
-        </p:nvSpPr>
-        <p:spPr>
-          <a:xfrm>
-            <a:off x="3645505" y="1664677"/>
-            <a:ext cx="1221006" cy="369332"/>
-          </a:xfrm>
-          <a:prstGeom prst="rect">
-            <a:avLst/>
-          </a:prstGeom>
-          <a:noFill/>
-        </p:spPr>
-        <p:txBody>
-          <a:bodyPr wrap="square">
-            <a:spAutoFit/>
-          </a:bodyPr>
-          <a:lstStyle/>
-          <a:p>
-            <a:r>
-              <a:rPr lang="en-US" b="0" dirty="0">
-                <a:effectLst/>
-                <a:latin typeface="Consolas" panose="020B0609020204030204" pitchFamily="49" charset="0"/>
-              </a:rPr>
-              <a:t>RELEASED</a:t>
-            </a:r>
-          </a:p>
-        </p:txBody>
-      </p:sp>
-      <p:cxnSp>
-        <p:nvCxnSpPr>
-          <p:cNvPr id="23" name="Connector: Curved 22">
-            <a:extLst>
-              <a:ext uri="{FF2B5EF4-FFF2-40B4-BE49-F238E27FC236}">
-                <a16:creationId xmlns:a16="http://schemas.microsoft.com/office/drawing/2014/main" id="{727AA6AD-A3AA-2D28-B8D6-4A2ED24980D2}"/>
-              </a:ext>
-            </a:extLst>
-          </p:cNvPr>
-          <p:cNvCxnSpPr>
-            <a:cxnSpLocks/>
-            <a:stCxn id="5" idx="2"/>
-            <a:endCxn id="7" idx="7"/>
-          </p:cNvCxnSpPr>
-          <p:nvPr/>
-        </p:nvCxnSpPr>
-        <p:spPr>
-          <a:xfrm rot="10800000" flipV="1">
-            <a:off x="5685778" y="1449477"/>
-            <a:ext cx="248358" cy="838033"/>
-          </a:xfrm>
-          <a:prstGeom prst="curvedConnector2">
-            <a:avLst/>
-          </a:prstGeom>
-          <a:ln w="28575">
-            <a:solidFill>
-              <a:schemeClr val="tx1"/>
-            </a:solidFill>
-            <a:tailEnd type="triangle"/>
-          </a:ln>
-        </p:spPr>
-        <p:style>
-          <a:lnRef idx="1">
-            <a:schemeClr val="accent1"/>
-          </a:lnRef>
-          <a:fillRef idx="0">
-            <a:schemeClr val="accent1"/>
-          </a:fillRef>
-          <a:effectRef idx="0">
-            <a:schemeClr val="accent1"/>
-          </a:effectRef>
-          <a:fontRef idx="minor">
-            <a:schemeClr val="tx1"/>
-          </a:fontRef>
-        </p:style>
-      </p:cxnSp>
-      <p:sp>
-        <p:nvSpPr>
-          <p:cNvPr id="26" name="TextBox 25">
-            <a:extLst>
-              <a:ext uri="{FF2B5EF4-FFF2-40B4-BE49-F238E27FC236}">
-                <a16:creationId xmlns:a16="http://schemas.microsoft.com/office/drawing/2014/main" id="{C26CEFE3-AB9F-6CC5-F5FC-6844A7D1B054}"/>
-              </a:ext>
-            </a:extLst>
-          </p:cNvPr>
-          <p:cNvSpPr txBox="1"/>
-          <p:nvPr/>
-        </p:nvSpPr>
-        <p:spPr>
-          <a:xfrm>
-            <a:off x="5706201" y="1951394"/>
-            <a:ext cx="1267302" cy="369332"/>
-          </a:xfrm>
-          <a:prstGeom prst="rect">
-            <a:avLst/>
-          </a:prstGeom>
-          <a:noFill/>
-        </p:spPr>
-        <p:txBody>
-          <a:bodyPr wrap="square">
-            <a:spAutoFit/>
-          </a:bodyPr>
-          <a:lstStyle/>
-          <a:p>
-            <a:r>
-              <a:rPr lang="en-US" b="0" dirty="0">
-                <a:effectLst/>
-                <a:latin typeface="Consolas" panose="020B0609020204030204" pitchFamily="49" charset="0"/>
-              </a:rPr>
-              <a:t>RELEASED</a:t>
-            </a:r>
-          </a:p>
-        </p:txBody>
-      </p:sp>
-      <p:cxnSp>
-        <p:nvCxnSpPr>
-          <p:cNvPr id="31" name="Connector: Curved 30">
-            <a:extLst>
-              <a:ext uri="{FF2B5EF4-FFF2-40B4-BE49-F238E27FC236}">
-                <a16:creationId xmlns:a16="http://schemas.microsoft.com/office/drawing/2014/main" id="{423ADD05-E524-971A-8063-C2D21C0951BF}"/>
-              </a:ext>
-            </a:extLst>
-          </p:cNvPr>
-          <p:cNvCxnSpPr>
-            <a:cxnSpLocks/>
-            <a:stCxn id="5" idx="6"/>
-            <a:endCxn id="54" idx="7"/>
-          </p:cNvCxnSpPr>
-          <p:nvPr/>
-        </p:nvCxnSpPr>
-        <p:spPr>
-          <a:xfrm flipH="1">
-            <a:off x="7854629" y="1449478"/>
-            <a:ext cx="139869" cy="2918550"/>
-          </a:xfrm>
-          <a:prstGeom prst="curvedConnector4">
-            <a:avLst>
-              <a:gd name="adj1" fmla="val -163439"/>
-              <a:gd name="adj2" fmla="val 55694"/>
-            </a:avLst>
-          </a:prstGeom>
-          <a:ln w="28575">
-            <a:solidFill>
-              <a:schemeClr val="tx1"/>
-            </a:solidFill>
-            <a:tailEnd type="triangle"/>
-          </a:ln>
-        </p:spPr>
-        <p:style>
-          <a:lnRef idx="1">
-            <a:schemeClr val="accent1"/>
-          </a:lnRef>
-          <a:fillRef idx="0">
-            <a:schemeClr val="accent1"/>
-          </a:fillRef>
-          <a:effectRef idx="0">
-            <a:schemeClr val="accent1"/>
-          </a:effectRef>
-          <a:fontRef idx="minor">
-            <a:schemeClr val="tx1"/>
-          </a:fontRef>
-        </p:style>
-      </p:cxnSp>
-      <p:sp>
-        <p:nvSpPr>
-          <p:cNvPr id="34" name="TextBox 33">
-            <a:extLst>
-              <a:ext uri="{FF2B5EF4-FFF2-40B4-BE49-F238E27FC236}">
-                <a16:creationId xmlns:a16="http://schemas.microsoft.com/office/drawing/2014/main" id="{822C9395-0CF7-9B51-F88E-649F65BDD397}"/>
-              </a:ext>
-            </a:extLst>
-          </p:cNvPr>
-          <p:cNvSpPr txBox="1"/>
-          <p:nvPr/>
-        </p:nvSpPr>
-        <p:spPr>
-          <a:xfrm>
-            <a:off x="7462946" y="2760598"/>
-            <a:ext cx="3529486" cy="923330"/>
-          </a:xfrm>
-          <a:prstGeom prst="rect">
-            <a:avLst/>
-          </a:prstGeom>
-          <a:noFill/>
-        </p:spPr>
-        <p:txBody>
-          <a:bodyPr wrap="square">
-            <a:spAutoFit/>
-          </a:bodyPr>
-          <a:lstStyle/>
-          <a:p>
-            <a:pPr algn="ctr"/>
-            <a:r>
-              <a:rPr lang="en-US" b="0" dirty="0">
-                <a:effectLst/>
-                <a:latin typeface="Consolas" panose="020B0609020204030204" pitchFamily="49" charset="0"/>
-              </a:rPr>
-              <a:t>delay_cnt == delay_num_ticks /</a:t>
-            </a:r>
-          </a:p>
-          <a:p>
-            <a:pPr algn="ctr"/>
-            <a:r>
-              <a:rPr lang="en-US" dirty="0">
-                <a:solidFill>
-                  <a:srgbClr val="7030A0"/>
-                </a:solidFill>
-                <a:latin typeface="Consolas" panose="020B0609020204030204" pitchFamily="49" charset="0"/>
-              </a:rPr>
-              <a:t>update_cnt = 0</a:t>
-            </a:r>
-            <a:endParaRPr lang="en-US" b="0" dirty="0">
-              <a:solidFill>
-                <a:srgbClr val="7030A0"/>
-              </a:solidFill>
-              <a:effectLst/>
-              <a:latin typeface="Consolas" panose="020B0609020204030204" pitchFamily="49" charset="0"/>
-            </a:endParaRPr>
-          </a:p>
-        </p:txBody>
-      </p:sp>
-      <p:cxnSp>
-        <p:nvCxnSpPr>
-          <p:cNvPr id="35" name="Connector: Curved 34">
-            <a:extLst>
-              <a:ext uri="{FF2B5EF4-FFF2-40B4-BE49-F238E27FC236}">
-                <a16:creationId xmlns:a16="http://schemas.microsoft.com/office/drawing/2014/main" id="{A7BE15E8-40FE-0B9B-F521-DB1FE3B99068}"/>
-              </a:ext>
-            </a:extLst>
-          </p:cNvPr>
-          <p:cNvCxnSpPr>
-            <a:cxnSpLocks/>
-            <a:stCxn id="5" idx="7"/>
-            <a:endCxn id="5" idx="0"/>
-          </p:cNvCxnSpPr>
-          <p:nvPr/>
-        </p:nvCxnSpPr>
-        <p:spPr>
-          <a:xfrm rot="16200000" flipV="1">
-            <a:off x="7259705" y="684048"/>
-            <a:ext cx="137672" cy="728448"/>
-          </a:xfrm>
-          <a:prstGeom prst="curvedConnector3">
-            <a:avLst>
-              <a:gd name="adj1" fmla="val 266047"/>
-            </a:avLst>
-          </a:prstGeom>
-          <a:ln w="28575">
-            <a:solidFill>
-              <a:schemeClr val="tx1"/>
-            </a:solidFill>
-            <a:tailEnd type="triangle"/>
-          </a:ln>
-        </p:spPr>
-        <p:style>
-          <a:lnRef idx="1">
-            <a:schemeClr val="accent1"/>
-          </a:lnRef>
-          <a:fillRef idx="0">
-            <a:schemeClr val="accent1"/>
-          </a:fillRef>
-          <a:effectRef idx="0">
-            <a:schemeClr val="accent1"/>
-          </a:effectRef>
-          <a:fontRef idx="minor">
-            <a:schemeClr val="tx1"/>
-          </a:fontRef>
-        </p:style>
-      </p:cxnSp>
-      <p:sp>
-        <p:nvSpPr>
-          <p:cNvPr id="38" name="TextBox 37">
-            <a:extLst>
-              <a:ext uri="{FF2B5EF4-FFF2-40B4-BE49-F238E27FC236}">
-                <a16:creationId xmlns:a16="http://schemas.microsoft.com/office/drawing/2014/main" id="{F2D33D4F-86DF-C469-871D-DDFB1FEE1F95}"/>
-              </a:ext>
-            </a:extLst>
-          </p:cNvPr>
-          <p:cNvSpPr txBox="1"/>
-          <p:nvPr/>
-        </p:nvSpPr>
-        <p:spPr>
-          <a:xfrm>
-            <a:off x="6663932" y="458787"/>
-            <a:ext cx="2250555" cy="369332"/>
-          </a:xfrm>
-          <a:prstGeom prst="rect">
-            <a:avLst/>
-          </a:prstGeom>
-          <a:noFill/>
-        </p:spPr>
-        <p:txBody>
-          <a:bodyPr wrap="square">
-            <a:spAutoFit/>
-          </a:bodyPr>
-          <a:lstStyle/>
-          <a:p>
-            <a:pPr algn="ctr"/>
-            <a:r>
-              <a:rPr lang="en-US" b="0" dirty="0">
-                <a:effectLst/>
-                <a:latin typeface="Consolas" panose="020B0609020204030204" pitchFamily="49" charset="0"/>
-              </a:rPr>
-              <a:t>other</a:t>
-            </a:r>
-            <a:endParaRPr lang="en-US" b="0" dirty="0">
-              <a:solidFill>
-                <a:srgbClr val="7030A0"/>
-              </a:solidFill>
-              <a:effectLst/>
-              <a:latin typeface="Consolas" panose="020B0609020204030204" pitchFamily="49" charset="0"/>
-            </a:endParaRPr>
-          </a:p>
-        </p:txBody>
-      </p:sp>
-      <p:cxnSp>
-        <p:nvCxnSpPr>
-          <p:cNvPr id="49" name="Connector: Curved 48">
-            <a:extLst>
-              <a:ext uri="{FF2B5EF4-FFF2-40B4-BE49-F238E27FC236}">
-                <a16:creationId xmlns:a16="http://schemas.microsoft.com/office/drawing/2014/main" id="{FF716D1D-9C19-20A5-6FE9-8A788532DE04}"/>
-              </a:ext>
-            </a:extLst>
-          </p:cNvPr>
-          <p:cNvCxnSpPr>
-            <a:cxnSpLocks/>
-            <a:stCxn id="7" idx="2"/>
-            <a:endCxn id="4" idx="3"/>
-          </p:cNvCxnSpPr>
-          <p:nvPr/>
-        </p:nvCxnSpPr>
-        <p:spPr>
-          <a:xfrm rot="10800000">
-            <a:off x="2055397" y="1634619"/>
-            <a:ext cx="1871752" cy="985262"/>
-          </a:xfrm>
-          <a:prstGeom prst="curvedConnector2">
-            <a:avLst/>
-          </a:prstGeom>
-          <a:ln w="28575">
-            <a:solidFill>
-              <a:schemeClr val="tx1"/>
-            </a:solidFill>
-            <a:tailEnd type="triangle"/>
-          </a:ln>
-        </p:spPr>
-        <p:style>
-          <a:lnRef idx="1">
-            <a:schemeClr val="accent1"/>
-          </a:lnRef>
-          <a:fillRef idx="0">
-            <a:schemeClr val="accent1"/>
-          </a:fillRef>
-          <a:effectRef idx="0">
-            <a:schemeClr val="accent1"/>
-          </a:effectRef>
-          <a:fontRef idx="minor">
-            <a:schemeClr val="tx1"/>
-          </a:fontRef>
-        </p:style>
-      </p:cxnSp>
-      <p:sp>
-        <p:nvSpPr>
-          <p:cNvPr id="52" name="TextBox 51">
-            <a:extLst>
-              <a:ext uri="{FF2B5EF4-FFF2-40B4-BE49-F238E27FC236}">
-                <a16:creationId xmlns:a16="http://schemas.microsoft.com/office/drawing/2014/main" id="{175ED3CD-31D5-B1C3-9603-8EC5AD7617BF}"/>
-              </a:ext>
-            </a:extLst>
-          </p:cNvPr>
-          <p:cNvSpPr txBox="1"/>
-          <p:nvPr/>
-        </p:nvSpPr>
-        <p:spPr>
-          <a:xfrm>
-            <a:off x="458631" y="2333891"/>
-            <a:ext cx="3450331" cy="646331"/>
-          </a:xfrm>
-          <a:prstGeom prst="rect">
-            <a:avLst/>
-          </a:prstGeom>
-          <a:noFill/>
-        </p:spPr>
-        <p:txBody>
-          <a:bodyPr wrap="square">
-            <a:spAutoFit/>
-          </a:bodyPr>
-          <a:lstStyle/>
-          <a:p>
-            <a:pPr algn="ctr"/>
-            <a:r>
-              <a:rPr lang="en-US" b="0" dirty="0">
-                <a:effectLst/>
-                <a:latin typeface="Consolas" panose="020B0609020204030204" pitchFamily="49" charset="0"/>
-              </a:rPr>
-              <a:t>RELEASED</a:t>
-            </a:r>
-            <a:r>
-              <a:rPr lang="en-US" dirty="0">
-                <a:latin typeface="Consolas" panose="020B0609020204030204" pitchFamily="49" charset="0"/>
-              </a:rPr>
-              <a:t>/</a:t>
-            </a:r>
-          </a:p>
-          <a:p>
-            <a:pPr algn="ctr"/>
-            <a:r>
-              <a:rPr lang="en-US" b="0" dirty="0">
-                <a:solidFill>
-                  <a:srgbClr val="7030A0"/>
-                </a:solidFill>
-                <a:effectLst/>
-                <a:latin typeface="Consolas" panose="020B0609020204030204" pitchFamily="49" charset="0"/>
-              </a:rPr>
-              <a:t>touchscreen_ack_touch()</a:t>
-            </a:r>
-            <a:endParaRPr lang="en-US" b="0" dirty="0">
-              <a:effectLst/>
-              <a:latin typeface="Consolas" panose="020B0609020204030204" pitchFamily="49" charset="0"/>
-            </a:endParaRPr>
-          </a:p>
-        </p:txBody>
-      </p:sp>
-      <p:sp>
-        <p:nvSpPr>
-          <p:cNvPr id="54" name="Oval 53">
-            <a:extLst>
-              <a:ext uri="{FF2B5EF4-FFF2-40B4-BE49-F238E27FC236}">
-                <a16:creationId xmlns:a16="http://schemas.microsoft.com/office/drawing/2014/main" id="{749912DB-0C88-E500-BA3F-D79FF562C2E8}"/>
-              </a:ext>
-            </a:extLst>
-          </p:cNvPr>
-          <p:cNvSpPr/>
-          <p:nvPr/>
-        </p:nvSpPr>
-        <p:spPr>
-          <a:xfrm>
-            <a:off x="6096000" y="4230356"/>
-            <a:ext cx="2060362" cy="940084"/>
-          </a:xfrm>
-          <a:prstGeom prst="ellipse">
-            <a:avLst/>
-          </a:prstGeom>
-          <a:solidFill>
-            <a:schemeClr val="bg2">
-              <a:lumMod val="90000"/>
-            </a:schemeClr>
-          </a:solidFill>
-        </p:spPr>
-        <p:style>
-          <a:lnRef idx="2">
-            <a:schemeClr val="accent1">
-              <a:shade val="50000"/>
-            </a:schemeClr>
-          </a:lnRef>
-          <a:fillRef idx="1">
-            <a:schemeClr val="accent1"/>
-          </a:fillRef>
-          <a:effectRef idx="0">
-            <a:schemeClr val="accent1"/>
-          </a:effectRef>
-          <a:fontRef idx="minor">
-            <a:schemeClr val="lt1"/>
-          </a:fontRef>
-        </p:style>
-        <p:txBody>
-          <a:bodyPr lIns="0" tIns="0" rIns="0" bIns="0" rtlCol="0" anchor="ctr"/>
-          <a:lstStyle/>
-          <a:p>
-            <a:pPr algn="ctr"/>
-            <a:r>
-              <a:rPr lang="en-US" dirty="0">
-                <a:solidFill>
-                  <a:schemeClr val="tx1"/>
-                </a:solidFill>
-              </a:rPr>
-              <a:t>FAST_UPDATE</a:t>
-            </a:r>
-          </a:p>
-        </p:txBody>
-      </p:sp>
-      <p:cxnSp>
-        <p:nvCxnSpPr>
-          <p:cNvPr id="64" name="Connector: Curved 63">
-            <a:extLst>
-              <a:ext uri="{FF2B5EF4-FFF2-40B4-BE49-F238E27FC236}">
-                <a16:creationId xmlns:a16="http://schemas.microsoft.com/office/drawing/2014/main" id="{2ECAD3C7-1549-9011-758F-14441027F31C}"/>
-              </a:ext>
-            </a:extLst>
-          </p:cNvPr>
-          <p:cNvCxnSpPr>
-            <a:cxnSpLocks/>
-            <a:stCxn id="54" idx="6"/>
-            <a:endCxn id="54" idx="5"/>
-          </p:cNvCxnSpPr>
-          <p:nvPr/>
-        </p:nvCxnSpPr>
-        <p:spPr>
-          <a:xfrm flipH="1">
-            <a:off x="7854629" y="4700398"/>
-            <a:ext cx="301733" cy="332370"/>
-          </a:xfrm>
-          <a:prstGeom prst="curvedConnector4">
-            <a:avLst>
-              <a:gd name="adj1" fmla="val -75762"/>
-              <a:gd name="adj2" fmla="val 210200"/>
-            </a:avLst>
-          </a:prstGeom>
-          <a:ln w="28575">
-            <a:solidFill>
-              <a:schemeClr val="tx1"/>
-            </a:solidFill>
-            <a:tailEnd type="triangle"/>
-          </a:ln>
-        </p:spPr>
-        <p:style>
-          <a:lnRef idx="1">
-            <a:schemeClr val="accent1"/>
-          </a:lnRef>
-          <a:fillRef idx="0">
-            <a:schemeClr val="accent1"/>
-          </a:fillRef>
-          <a:effectRef idx="0">
-            <a:schemeClr val="accent1"/>
-          </a:effectRef>
-          <a:fontRef idx="minor">
-            <a:schemeClr val="tx1"/>
-          </a:fontRef>
-        </p:style>
-      </p:cxnSp>
-      <p:cxnSp>
-        <p:nvCxnSpPr>
-          <p:cNvPr id="69" name="Connector: Curved 68">
-            <a:extLst>
-              <a:ext uri="{FF2B5EF4-FFF2-40B4-BE49-F238E27FC236}">
-                <a16:creationId xmlns:a16="http://schemas.microsoft.com/office/drawing/2014/main" id="{17597730-EF13-9611-521E-B41DBE8226AA}"/>
-              </a:ext>
-            </a:extLst>
-          </p:cNvPr>
-          <p:cNvCxnSpPr>
-            <a:cxnSpLocks/>
-            <a:stCxn id="54" idx="3"/>
-            <a:endCxn id="4" idx="2"/>
-          </p:cNvCxnSpPr>
-          <p:nvPr/>
-        </p:nvCxnSpPr>
-        <p:spPr>
-          <a:xfrm rot="5400000" flipH="1">
-            <a:off x="2210439" y="845475"/>
-            <a:ext cx="3730519" cy="4644069"/>
-          </a:xfrm>
-          <a:prstGeom prst="curvedConnector4">
-            <a:avLst>
-              <a:gd name="adj1" fmla="val -9818"/>
-              <a:gd name="adj2" fmla="val 126011"/>
-            </a:avLst>
-          </a:prstGeom>
-          <a:ln w="28575">
-            <a:solidFill>
-              <a:schemeClr val="tx1"/>
-            </a:solidFill>
-            <a:tailEnd type="triangle"/>
-          </a:ln>
-        </p:spPr>
-        <p:style>
-          <a:lnRef idx="1">
-            <a:schemeClr val="accent1"/>
-          </a:lnRef>
-          <a:fillRef idx="0">
-            <a:schemeClr val="accent1"/>
-          </a:fillRef>
-          <a:effectRef idx="0">
-            <a:schemeClr val="accent1"/>
-          </a:effectRef>
-          <a:fontRef idx="minor">
-            <a:schemeClr val="tx1"/>
-          </a:fontRef>
-        </p:style>
-      </p:cxnSp>
-      <p:sp>
-        <p:nvSpPr>
-          <p:cNvPr id="72" name="TextBox 71">
-            <a:extLst>
-              <a:ext uri="{FF2B5EF4-FFF2-40B4-BE49-F238E27FC236}">
-                <a16:creationId xmlns:a16="http://schemas.microsoft.com/office/drawing/2014/main" id="{8885AA53-72FD-68BF-3D00-009960FFB968}"/>
-              </a:ext>
-            </a:extLst>
-          </p:cNvPr>
-          <p:cNvSpPr txBox="1"/>
-          <p:nvPr/>
-        </p:nvSpPr>
-        <p:spPr>
-          <a:xfrm>
-            <a:off x="1591800" y="4287547"/>
-            <a:ext cx="3139079" cy="646331"/>
-          </a:xfrm>
-          <a:prstGeom prst="rect">
-            <a:avLst/>
-          </a:prstGeom>
-          <a:noFill/>
-        </p:spPr>
-        <p:txBody>
-          <a:bodyPr wrap="square">
-            <a:spAutoFit/>
-          </a:bodyPr>
-          <a:lstStyle/>
-          <a:p>
-            <a:pPr algn="ctr"/>
-            <a:r>
-              <a:rPr lang="en-US" b="0" dirty="0">
-                <a:effectLst/>
-                <a:latin typeface="Consolas" panose="020B0609020204030204" pitchFamily="49" charset="0"/>
-              </a:rPr>
-              <a:t>RELEASED</a:t>
-            </a:r>
-            <a:r>
-              <a:rPr lang="en-US" dirty="0">
-                <a:latin typeface="Consolas" panose="020B0609020204030204" pitchFamily="49" charset="0"/>
-              </a:rPr>
-              <a:t> /</a:t>
-            </a:r>
-          </a:p>
-          <a:p>
-            <a:pPr algn="ctr"/>
-            <a:r>
-              <a:rPr lang="en-US" b="0" dirty="0">
-                <a:solidFill>
-                  <a:srgbClr val="7030A0"/>
-                </a:solidFill>
-                <a:effectLst/>
-                <a:latin typeface="Consolas" panose="020B0609020204030204" pitchFamily="49" charset="0"/>
-              </a:rPr>
-              <a:t>touchscreen_ack_touch()</a:t>
-            </a:r>
-            <a:endParaRPr lang="en-US" b="0" dirty="0">
-              <a:effectLst/>
-              <a:latin typeface="Consolas" panose="020B0609020204030204" pitchFamily="49" charset="0"/>
-            </a:endParaRPr>
-          </a:p>
-        </p:txBody>
-      </p:sp>
-      <p:cxnSp>
-        <p:nvCxnSpPr>
-          <p:cNvPr id="76" name="Connector: Curved 75">
-            <a:extLst>
-              <a:ext uri="{FF2B5EF4-FFF2-40B4-BE49-F238E27FC236}">
-                <a16:creationId xmlns:a16="http://schemas.microsoft.com/office/drawing/2014/main" id="{EF62AB91-1D66-701F-BF7A-D6F4C19AAB1C}"/>
-              </a:ext>
-            </a:extLst>
-          </p:cNvPr>
-          <p:cNvCxnSpPr>
-            <a:cxnSpLocks/>
-            <a:stCxn id="54" idx="0"/>
-            <a:endCxn id="54" idx="1"/>
-          </p:cNvCxnSpPr>
-          <p:nvPr/>
-        </p:nvCxnSpPr>
-        <p:spPr>
-          <a:xfrm rot="16200000" flipH="1" flipV="1">
-            <a:off x="6693121" y="3934968"/>
-            <a:ext cx="137672" cy="728448"/>
-          </a:xfrm>
-          <a:prstGeom prst="curvedConnector3">
-            <a:avLst>
-              <a:gd name="adj1" fmla="val -166047"/>
-            </a:avLst>
-          </a:prstGeom>
-          <a:ln w="28575">
-            <a:solidFill>
-              <a:schemeClr val="tx1"/>
-            </a:solidFill>
-            <a:tailEnd type="triangle"/>
-          </a:ln>
-        </p:spPr>
-        <p:style>
-          <a:lnRef idx="1">
-            <a:schemeClr val="accent1"/>
-          </a:lnRef>
-          <a:fillRef idx="0">
-            <a:schemeClr val="accent1"/>
-          </a:fillRef>
-          <a:effectRef idx="0">
-            <a:schemeClr val="accent1"/>
-          </a:effectRef>
-          <a:fontRef idx="minor">
-            <a:schemeClr val="tx1"/>
-          </a:fontRef>
-        </p:style>
-      </p:cxnSp>
-      <p:sp>
-        <p:nvSpPr>
-          <p:cNvPr id="80" name="TextBox 79">
-            <a:extLst>
-              <a:ext uri="{FF2B5EF4-FFF2-40B4-BE49-F238E27FC236}">
-                <a16:creationId xmlns:a16="http://schemas.microsoft.com/office/drawing/2014/main" id="{D73C5C48-80FF-2808-8866-5E5FD79C0B78}"/>
-              </a:ext>
-            </a:extLst>
-          </p:cNvPr>
-          <p:cNvSpPr txBox="1"/>
-          <p:nvPr/>
-        </p:nvSpPr>
-        <p:spPr>
-          <a:xfrm>
-            <a:off x="6458018" y="3622941"/>
-            <a:ext cx="1078275" cy="369332"/>
-          </a:xfrm>
-          <a:prstGeom prst="rect">
-            <a:avLst/>
-          </a:prstGeom>
-          <a:noFill/>
-        </p:spPr>
-        <p:txBody>
-          <a:bodyPr wrap="square">
-            <a:spAutoFit/>
-          </a:bodyPr>
-          <a:lstStyle/>
-          <a:p>
-            <a:pPr algn="ctr"/>
-            <a:r>
-              <a:rPr lang="en-US" b="0" dirty="0">
-                <a:effectLst/>
-                <a:latin typeface="Consolas" panose="020B0609020204030204" pitchFamily="49" charset="0"/>
-              </a:rPr>
-              <a:t>other</a:t>
-            </a:r>
-            <a:endParaRPr lang="en-US" b="0" dirty="0">
-              <a:solidFill>
-                <a:srgbClr val="7030A0"/>
-              </a:solidFill>
-              <a:effectLst/>
-              <a:latin typeface="Consolas" panose="020B0609020204030204" pitchFamily="49" charset="0"/>
-            </a:endParaRPr>
-          </a:p>
-        </p:txBody>
-      </p:sp>
-      <p:sp>
-        <p:nvSpPr>
-          <p:cNvPr id="93" name="TextBox 92">
-            <a:extLst>
-              <a:ext uri="{FF2B5EF4-FFF2-40B4-BE49-F238E27FC236}">
-                <a16:creationId xmlns:a16="http://schemas.microsoft.com/office/drawing/2014/main" id="{7DBFEF77-6D0F-DEE0-B5D6-930858B04FD5}"/>
-              </a:ext>
-            </a:extLst>
-          </p:cNvPr>
-          <p:cNvSpPr txBox="1"/>
-          <p:nvPr/>
-        </p:nvSpPr>
-        <p:spPr>
-          <a:xfrm>
-            <a:off x="7635639" y="4700398"/>
-            <a:ext cx="3903370" cy="1477328"/>
-          </a:xfrm>
-          <a:prstGeom prst="rect">
-            <a:avLst/>
-          </a:prstGeom>
-          <a:noFill/>
-        </p:spPr>
-        <p:txBody>
-          <a:bodyPr wrap="square">
-            <a:spAutoFit/>
-          </a:bodyPr>
-          <a:lstStyle/>
-          <a:p>
-            <a:pPr algn="ctr"/>
-            <a:r>
-              <a:rPr lang="en-US" b="0" dirty="0">
-                <a:effectLst/>
-                <a:latin typeface="Consolas" panose="020B0609020204030204" pitchFamily="49" charset="0"/>
-              </a:rPr>
-              <a:t>!RELEASED &amp;&amp; </a:t>
-            </a:r>
-          </a:p>
-          <a:p>
-            <a:pPr algn="ctr"/>
-            <a:r>
-              <a:rPr lang="en-US" b="0" dirty="0">
-                <a:effectLst/>
-                <a:latin typeface="Consolas" panose="020B0609020204030204" pitchFamily="49" charset="0"/>
-              </a:rPr>
-              <a:t>(update_cnt == </a:t>
-            </a:r>
-            <a:r>
-              <a:rPr lang="en-US" dirty="0">
-                <a:latin typeface="Consolas" panose="020B0609020204030204" pitchFamily="49" charset="0"/>
-              </a:rPr>
-              <a:t>update</a:t>
-            </a:r>
-            <a:r>
-              <a:rPr lang="en-US" b="0" dirty="0">
-                <a:effectLst/>
-                <a:latin typeface="Consolas" panose="020B0609020204030204" pitchFamily="49" charset="0"/>
-              </a:rPr>
-              <a:t>_num_ticks) / </a:t>
-            </a:r>
-          </a:p>
-          <a:p>
-            <a:pPr algn="ctr"/>
-            <a:r>
-              <a:rPr lang="en-US" b="0" dirty="0">
-                <a:solidFill>
-                  <a:srgbClr val="7030A0"/>
-                </a:solidFill>
-                <a:effectLst/>
-                <a:latin typeface="Consolas" panose="020B0609020204030204" pitchFamily="49" charset="0"/>
-              </a:rPr>
-              <a:t>update_cnt = 0;</a:t>
-            </a:r>
-          </a:p>
-          <a:p>
-            <a:pPr algn="ctr"/>
-            <a:r>
-              <a:rPr lang="en-US" b="0" dirty="0">
-                <a:solidFill>
-                  <a:srgbClr val="7030A0"/>
-                </a:solidFill>
-                <a:effectLst/>
-                <a:latin typeface="Consolas" panose="020B0609020204030204" pitchFamily="49" charset="0"/>
-              </a:rPr>
-              <a:t>clockDisplay_performIncDec()</a:t>
-            </a:r>
-          </a:p>
-        </p:txBody>
-      </p:sp>
-      <p:sp>
-        <p:nvSpPr>
-          <p:cNvPr id="109" name="TextBox 108">
-            <a:extLst>
-              <a:ext uri="{FF2B5EF4-FFF2-40B4-BE49-F238E27FC236}">
-                <a16:creationId xmlns:a16="http://schemas.microsoft.com/office/drawing/2014/main" id="{C87C53A4-1149-BFE6-0C2B-6E16D1505F8E}"/>
-              </a:ext>
-            </a:extLst>
-          </p:cNvPr>
-          <p:cNvSpPr txBox="1"/>
-          <p:nvPr/>
-        </p:nvSpPr>
-        <p:spPr>
-          <a:xfrm>
-            <a:off x="3115078" y="3068430"/>
-            <a:ext cx="3765441" cy="369332"/>
-          </a:xfrm>
-          <a:prstGeom prst="rect">
-            <a:avLst/>
-          </a:prstGeom>
-          <a:noFill/>
-        </p:spPr>
-        <p:txBody>
-          <a:bodyPr wrap="square">
-            <a:spAutoFit/>
-          </a:bodyPr>
-          <a:lstStyle/>
-          <a:p>
-            <a:r>
-              <a:rPr lang="en-US" b="0" dirty="0">
-                <a:solidFill>
-                  <a:schemeClr val="accent1"/>
-                </a:solidFill>
-                <a:effectLst/>
-                <a:latin typeface="Consolas" panose="020B0609020204030204" pitchFamily="49" charset="0"/>
-              </a:rPr>
-              <a:t>clockDisplay_performIncDec()</a:t>
-            </a:r>
-          </a:p>
-        </p:txBody>
-      </p:sp>
-    </p:spTree>
-    <p:extLst>
-      <p:ext uri="{BB962C8B-B14F-4D97-AF65-F5344CB8AC3E}">
-        <p14:creationId xmlns:p14="http://schemas.microsoft.com/office/powerpoint/2010/main" val="4144317773"/>
-      </p:ext>
-    </p:extLst>
-  </p:cSld>
-  <p:clrMapOvr>
-    <a:masterClrMapping/>
-  </p:clrMapOvr>
-</p:sld>
-</file>
-
 <file path=ppt/theme/theme1.xml><?xml version="1.0" encoding="utf-8"?>
 <a:theme xmlns:a="http://schemas.openxmlformats.org/drawingml/2006/main" name="Office Theme">
   <a:themeElements>
